--- a/docs/diagrams/StorageComponentClassDiagram.pptx
+++ b/docs/diagrams/StorageComponentClassDiagram.pptx
@@ -107,6 +107,22 @@
       </a:defRPr>
     </a:lvl9pPr>
   </p:defaultTextStyle>
+  <p:extLst>
+    <p:ext uri="{EFAFB233-063F-42B5-8137-9DF3F51BA10A}">
+      <p15:sldGuideLst xmlns:p15="http://schemas.microsoft.com/office/powerpoint/2012/main">
+        <p15:guide id="1" orient="horz" pos="1488">
+          <p15:clr>
+            <a:srgbClr val="A4A3A4"/>
+          </p15:clr>
+        </p15:guide>
+        <p15:guide id="2" pos="2880">
+          <p15:clr>
+            <a:srgbClr val="A4A3A4"/>
+          </p15:clr>
+        </p15:guide>
+      </p15:sldGuideLst>
+    </p:ext>
+  </p:extLst>
 </p:presentation>
 </file>
 
@@ -192,7 +208,7 @@
           <a:p>
             <a:fld id="{F5CC4B3F-88C1-4FFA-B1B6-F41C21DC6924}" type="datetimeFigureOut">
               <a:rPr lang="en-US" smtClean="0"/>
-              <a:t>10/16/2016</a:t>
+              <a:t>11/11/2018</a:t>
             </a:fld>
             <a:endParaRPr lang="en-US"/>
           </a:p>
@@ -256,38 +272,37 @@
           <a:p>
             <a:pPr lvl="0"/>
             <a:r>
-              <a:rPr lang="en-US" smtClean="0"/>
+              <a:rPr lang="en-US"/>
               <a:t>Click to edit Master text styles</a:t>
             </a:r>
           </a:p>
           <a:p>
             <a:pPr lvl="1"/>
             <a:r>
-              <a:rPr lang="en-US" smtClean="0"/>
+              <a:rPr lang="en-US"/>
               <a:t>Second level</a:t>
             </a:r>
           </a:p>
           <a:p>
             <a:pPr lvl="2"/>
             <a:r>
-              <a:rPr lang="en-US" smtClean="0"/>
+              <a:rPr lang="en-US"/>
               <a:t>Third level</a:t>
             </a:r>
           </a:p>
           <a:p>
             <a:pPr lvl="3"/>
             <a:r>
-              <a:rPr lang="en-US" smtClean="0"/>
+              <a:rPr lang="en-US"/>
               <a:t>Fourth level</a:t>
             </a:r>
           </a:p>
           <a:p>
             <a:pPr lvl="4"/>
             <a:r>
-              <a:rPr lang="en-US" smtClean="0"/>
+              <a:rPr lang="en-US"/>
               <a:t>Fifth level</a:t>
             </a:r>
-            <a:endParaRPr lang="en-US"/>
           </a:p>
         </p:txBody>
       </p:sp>
@@ -460,6 +475,90 @@
 </p:notesMaster>
 </file>
 
+<file path=ppt/notesSlides/notesSlide1.xml><?xml version="1.0" encoding="utf-8"?>
+<p:notes xmlns:a="http://schemas.openxmlformats.org/drawingml/2006/main" xmlns:r="http://schemas.openxmlformats.org/officeDocument/2006/relationships" xmlns:p="http://schemas.openxmlformats.org/presentationml/2006/main">
+  <p:cSld>
+    <p:spTree>
+      <p:nvGrpSpPr>
+        <p:cNvPr id="1" name=""/>
+        <p:cNvGrpSpPr/>
+        <p:nvPr/>
+      </p:nvGrpSpPr>
+      <p:grpSpPr>
+        <a:xfrm>
+          <a:off x="0" y="0"/>
+          <a:ext cx="0" cy="0"/>
+          <a:chOff x="0" y="0"/>
+          <a:chExt cx="0" cy="0"/>
+        </a:xfrm>
+      </p:grpSpPr>
+      <p:sp>
+        <p:nvSpPr>
+          <p:cNvPr id="2" name="Slide Image Placeholder 1"/>
+          <p:cNvSpPr>
+            <a:spLocks noGrp="1" noRot="1" noChangeAspect="1"/>
+          </p:cNvSpPr>
+          <p:nvPr>
+            <p:ph type="sldImg"/>
+          </p:nvPr>
+        </p:nvSpPr>
+        <p:spPr/>
+      </p:sp>
+      <p:sp>
+        <p:nvSpPr>
+          <p:cNvPr id="3" name="Notes Placeholder 2"/>
+          <p:cNvSpPr>
+            <a:spLocks noGrp="1"/>
+          </p:cNvSpPr>
+          <p:nvPr>
+            <p:ph type="body" idx="1"/>
+          </p:nvPr>
+        </p:nvSpPr>
+        <p:spPr/>
+        <p:txBody>
+          <a:bodyPr/>
+          <a:lstStyle/>
+          <a:p>
+            <a:endParaRPr lang="en-US"/>
+          </a:p>
+        </p:txBody>
+      </p:sp>
+      <p:sp>
+        <p:nvSpPr>
+          <p:cNvPr id="4" name="Slide Number Placeholder 3"/>
+          <p:cNvSpPr>
+            <a:spLocks noGrp="1"/>
+          </p:cNvSpPr>
+          <p:nvPr>
+            <p:ph type="sldNum" sz="quarter" idx="5"/>
+          </p:nvPr>
+        </p:nvSpPr>
+        <p:spPr/>
+        <p:txBody>
+          <a:bodyPr/>
+          <a:lstStyle/>
+          <a:p>
+            <a:fld id="{5A7AB025-77E3-4BD1-A2FD-B3183DBA47A3}" type="slidenum">
+              <a:rPr lang="en-US" smtClean="0"/>
+              <a:t>1</a:t>
+            </a:fld>
+            <a:endParaRPr lang="en-US"/>
+          </a:p>
+        </p:txBody>
+      </p:sp>
+    </p:spTree>
+    <p:extLst>
+      <p:ext uri="{BB962C8B-B14F-4D97-AF65-F5344CB8AC3E}">
+        <p14:creationId xmlns:p14="http://schemas.microsoft.com/office/powerpoint/2010/main" val="456984982"/>
+      </p:ext>
+    </p:extLst>
+  </p:cSld>
+  <p:clrMapOvr>
+    <a:masterClrMapping/>
+  </p:clrMapOvr>
+</p:notes>
+</file>
+
 <file path=ppt/slideLayouts/slideLayout1.xml><?xml version="1.0" encoding="utf-8"?>
 <p:sldLayout xmlns:a="http://schemas.openxmlformats.org/drawingml/2006/main" xmlns:r="http://schemas.openxmlformats.org/officeDocument/2006/relationships" xmlns:p="http://schemas.openxmlformats.org/presentationml/2006/main" type="title" preserve="1">
   <p:cSld name="Title Slide">
@@ -498,10 +597,9 @@
           <a:lstStyle/>
           <a:p>
             <a:r>
-              <a:rPr lang="en-US" smtClean="0"/>
+              <a:rPr lang="en-US"/>
               <a:t>Click to edit Master title style</a:t>
             </a:r>
-            <a:endParaRPr lang="en-US"/>
           </a:p>
         </p:txBody>
       </p:sp>
@@ -617,10 +715,9 @@
           </a:lstStyle>
           <a:p>
             <a:r>
-              <a:rPr lang="en-US" smtClean="0"/>
+              <a:rPr lang="en-US"/>
               <a:t>Click to edit Master subtitle style</a:t>
             </a:r>
-            <a:endParaRPr lang="en-US"/>
           </a:p>
         </p:txBody>
       </p:sp>
@@ -641,7 +738,7 @@
           <a:p>
             <a:fld id="{78C97017-6FC3-485B-9764-EAC9E56C1D49}" type="datetimeFigureOut">
               <a:rPr lang="en-US" smtClean="0"/>
-              <a:t>10/16/2016</a:t>
+              <a:t>11/11/2018</a:t>
             </a:fld>
             <a:endParaRPr lang="en-US"/>
           </a:p>
@@ -735,10 +832,9 @@
           <a:lstStyle/>
           <a:p>
             <a:r>
-              <a:rPr lang="en-US" smtClean="0"/>
+              <a:rPr lang="en-US"/>
               <a:t>Click to edit Master title style</a:t>
             </a:r>
-            <a:endParaRPr lang="en-US"/>
           </a:p>
         </p:txBody>
       </p:sp>
@@ -759,38 +855,37 @@
           <a:p>
             <a:pPr lvl="0"/>
             <a:r>
-              <a:rPr lang="en-US" smtClean="0"/>
+              <a:rPr lang="en-US"/>
               <a:t>Click to edit Master text styles</a:t>
             </a:r>
           </a:p>
           <a:p>
             <a:pPr lvl="1"/>
             <a:r>
-              <a:rPr lang="en-US" smtClean="0"/>
+              <a:rPr lang="en-US"/>
               <a:t>Second level</a:t>
             </a:r>
           </a:p>
           <a:p>
             <a:pPr lvl="2"/>
             <a:r>
-              <a:rPr lang="en-US" smtClean="0"/>
+              <a:rPr lang="en-US"/>
               <a:t>Third level</a:t>
             </a:r>
           </a:p>
           <a:p>
             <a:pPr lvl="3"/>
             <a:r>
-              <a:rPr lang="en-US" smtClean="0"/>
+              <a:rPr lang="en-US"/>
               <a:t>Fourth level</a:t>
             </a:r>
           </a:p>
           <a:p>
             <a:pPr lvl="4"/>
             <a:r>
-              <a:rPr lang="en-US" smtClean="0"/>
+              <a:rPr lang="en-US"/>
               <a:t>Fifth level</a:t>
             </a:r>
-            <a:endParaRPr lang="en-US"/>
           </a:p>
         </p:txBody>
       </p:sp>
@@ -811,7 +906,7 @@
           <a:p>
             <a:fld id="{78C97017-6FC3-485B-9764-EAC9E56C1D49}" type="datetimeFigureOut">
               <a:rPr lang="en-US" smtClean="0"/>
-              <a:t>10/16/2016</a:t>
+              <a:t>11/11/2018</a:t>
             </a:fld>
             <a:endParaRPr lang="en-US"/>
           </a:p>
@@ -910,10 +1005,9 @@
           <a:lstStyle/>
           <a:p>
             <a:r>
-              <a:rPr lang="en-US" smtClean="0"/>
+              <a:rPr lang="en-US"/>
               <a:t>Click to edit Master title style</a:t>
             </a:r>
-            <a:endParaRPr lang="en-US"/>
           </a:p>
         </p:txBody>
       </p:sp>
@@ -939,38 +1033,37 @@
           <a:p>
             <a:pPr lvl="0"/>
             <a:r>
-              <a:rPr lang="en-US" smtClean="0"/>
+              <a:rPr lang="en-US"/>
               <a:t>Click to edit Master text styles</a:t>
             </a:r>
           </a:p>
           <a:p>
             <a:pPr lvl="1"/>
             <a:r>
-              <a:rPr lang="en-US" smtClean="0"/>
+              <a:rPr lang="en-US"/>
               <a:t>Second level</a:t>
             </a:r>
           </a:p>
           <a:p>
             <a:pPr lvl="2"/>
             <a:r>
-              <a:rPr lang="en-US" smtClean="0"/>
+              <a:rPr lang="en-US"/>
               <a:t>Third level</a:t>
             </a:r>
           </a:p>
           <a:p>
             <a:pPr lvl="3"/>
             <a:r>
-              <a:rPr lang="en-US" smtClean="0"/>
+              <a:rPr lang="en-US"/>
               <a:t>Fourth level</a:t>
             </a:r>
           </a:p>
           <a:p>
             <a:pPr lvl="4"/>
             <a:r>
-              <a:rPr lang="en-US" smtClean="0"/>
+              <a:rPr lang="en-US"/>
               <a:t>Fifth level</a:t>
             </a:r>
-            <a:endParaRPr lang="en-US"/>
           </a:p>
         </p:txBody>
       </p:sp>
@@ -991,7 +1084,7 @@
           <a:p>
             <a:fld id="{78C97017-6FC3-485B-9764-EAC9E56C1D49}" type="datetimeFigureOut">
               <a:rPr lang="en-US" smtClean="0"/>
-              <a:t>10/16/2016</a:t>
+              <a:t>11/11/2018</a:t>
             </a:fld>
             <a:endParaRPr lang="en-US"/>
           </a:p>
@@ -1085,10 +1178,9 @@
           <a:lstStyle/>
           <a:p>
             <a:r>
-              <a:rPr lang="en-US" smtClean="0"/>
+              <a:rPr lang="en-US"/>
               <a:t>Click to edit Master title style</a:t>
             </a:r>
-            <a:endParaRPr lang="en-US"/>
           </a:p>
         </p:txBody>
       </p:sp>
@@ -1109,38 +1201,37 @@
           <a:p>
             <a:pPr lvl="0"/>
             <a:r>
-              <a:rPr lang="en-US" smtClean="0"/>
+              <a:rPr lang="en-US"/>
               <a:t>Click to edit Master text styles</a:t>
             </a:r>
           </a:p>
           <a:p>
             <a:pPr lvl="1"/>
             <a:r>
-              <a:rPr lang="en-US" smtClean="0"/>
+              <a:rPr lang="en-US"/>
               <a:t>Second level</a:t>
             </a:r>
           </a:p>
           <a:p>
             <a:pPr lvl="2"/>
             <a:r>
-              <a:rPr lang="en-US" smtClean="0"/>
+              <a:rPr lang="en-US"/>
               <a:t>Third level</a:t>
             </a:r>
           </a:p>
           <a:p>
             <a:pPr lvl="3"/>
             <a:r>
-              <a:rPr lang="en-US" smtClean="0"/>
+              <a:rPr lang="en-US"/>
               <a:t>Fourth level</a:t>
             </a:r>
           </a:p>
           <a:p>
             <a:pPr lvl="4"/>
             <a:r>
-              <a:rPr lang="en-US" smtClean="0"/>
+              <a:rPr lang="en-US"/>
               <a:t>Fifth level</a:t>
             </a:r>
-            <a:endParaRPr lang="en-US"/>
           </a:p>
         </p:txBody>
       </p:sp>
@@ -1161,7 +1252,7 @@
           <a:p>
             <a:fld id="{78C97017-6FC3-485B-9764-EAC9E56C1D49}" type="datetimeFigureOut">
               <a:rPr lang="en-US" smtClean="0"/>
-              <a:t>10/16/2016</a:t>
+              <a:t>11/11/2018</a:t>
             </a:fld>
             <a:endParaRPr lang="en-US"/>
           </a:p>
@@ -1264,10 +1355,9 @@
           </a:lstStyle>
           <a:p>
             <a:r>
-              <a:rPr lang="en-US" smtClean="0"/>
+              <a:rPr lang="en-US"/>
               <a:t>Click to edit Master title style</a:t>
             </a:r>
-            <a:endParaRPr lang="en-US"/>
           </a:p>
         </p:txBody>
       </p:sp>
@@ -1384,7 +1474,7 @@
           <a:p>
             <a:pPr lvl="0"/>
             <a:r>
-              <a:rPr lang="en-US" smtClean="0"/>
+              <a:rPr lang="en-US"/>
               <a:t>Click to edit Master text styles</a:t>
             </a:r>
           </a:p>
@@ -1407,7 +1497,7 @@
           <a:p>
             <a:fld id="{78C97017-6FC3-485B-9764-EAC9E56C1D49}" type="datetimeFigureOut">
               <a:rPr lang="en-US" smtClean="0"/>
-              <a:t>10/16/2016</a:t>
+              <a:t>11/11/2018</a:t>
             </a:fld>
             <a:endParaRPr lang="en-US"/>
           </a:p>
@@ -1501,10 +1591,9 @@
           <a:lstStyle/>
           <a:p>
             <a:r>
-              <a:rPr lang="en-US" smtClean="0"/>
+              <a:rPr lang="en-US"/>
               <a:t>Click to edit Master title style</a:t>
             </a:r>
-            <a:endParaRPr lang="en-US"/>
           </a:p>
         </p:txBody>
       </p:sp>
@@ -1558,38 +1647,37 @@
           <a:p>
             <a:pPr lvl="0"/>
             <a:r>
-              <a:rPr lang="en-US" smtClean="0"/>
+              <a:rPr lang="en-US"/>
               <a:t>Click to edit Master text styles</a:t>
             </a:r>
           </a:p>
           <a:p>
             <a:pPr lvl="1"/>
             <a:r>
-              <a:rPr lang="en-US" smtClean="0"/>
+              <a:rPr lang="en-US"/>
               <a:t>Second level</a:t>
             </a:r>
           </a:p>
           <a:p>
             <a:pPr lvl="2"/>
             <a:r>
-              <a:rPr lang="en-US" smtClean="0"/>
+              <a:rPr lang="en-US"/>
               <a:t>Third level</a:t>
             </a:r>
           </a:p>
           <a:p>
             <a:pPr lvl="3"/>
             <a:r>
-              <a:rPr lang="en-US" smtClean="0"/>
+              <a:rPr lang="en-US"/>
               <a:t>Fourth level</a:t>
             </a:r>
           </a:p>
           <a:p>
             <a:pPr lvl="4"/>
             <a:r>
-              <a:rPr lang="en-US" smtClean="0"/>
+              <a:rPr lang="en-US"/>
               <a:t>Fifth level</a:t>
             </a:r>
-            <a:endParaRPr lang="en-US"/>
           </a:p>
         </p:txBody>
       </p:sp>
@@ -1643,38 +1731,37 @@
           <a:p>
             <a:pPr lvl="0"/>
             <a:r>
-              <a:rPr lang="en-US" smtClean="0"/>
+              <a:rPr lang="en-US"/>
               <a:t>Click to edit Master text styles</a:t>
             </a:r>
           </a:p>
           <a:p>
             <a:pPr lvl="1"/>
             <a:r>
-              <a:rPr lang="en-US" smtClean="0"/>
+              <a:rPr lang="en-US"/>
               <a:t>Second level</a:t>
             </a:r>
           </a:p>
           <a:p>
             <a:pPr lvl="2"/>
             <a:r>
-              <a:rPr lang="en-US" smtClean="0"/>
+              <a:rPr lang="en-US"/>
               <a:t>Third level</a:t>
             </a:r>
           </a:p>
           <a:p>
             <a:pPr lvl="3"/>
             <a:r>
-              <a:rPr lang="en-US" smtClean="0"/>
+              <a:rPr lang="en-US"/>
               <a:t>Fourth level</a:t>
             </a:r>
           </a:p>
           <a:p>
             <a:pPr lvl="4"/>
             <a:r>
-              <a:rPr lang="en-US" smtClean="0"/>
+              <a:rPr lang="en-US"/>
               <a:t>Fifth level</a:t>
             </a:r>
-            <a:endParaRPr lang="en-US"/>
           </a:p>
         </p:txBody>
       </p:sp>
@@ -1695,7 +1782,7 @@
           <a:p>
             <a:fld id="{78C97017-6FC3-485B-9764-EAC9E56C1D49}" type="datetimeFigureOut">
               <a:rPr lang="en-US" smtClean="0"/>
-              <a:t>10/16/2016</a:t>
+              <a:t>11/11/2018</a:t>
             </a:fld>
             <a:endParaRPr lang="en-US"/>
           </a:p>
@@ -1793,10 +1880,9 @@
           </a:lstStyle>
           <a:p>
             <a:r>
-              <a:rPr lang="en-US" smtClean="0"/>
+              <a:rPr lang="en-US"/>
               <a:t>Click to edit Master title style</a:t>
             </a:r>
-            <a:endParaRPr lang="en-US"/>
           </a:p>
         </p:txBody>
       </p:sp>
@@ -1859,7 +1945,7 @@
           <a:p>
             <a:pPr lvl="0"/>
             <a:r>
-              <a:rPr lang="en-US" smtClean="0"/>
+              <a:rPr lang="en-US"/>
               <a:t>Click to edit Master text styles</a:t>
             </a:r>
           </a:p>
@@ -1915,38 +2001,37 @@
           <a:p>
             <a:pPr lvl="0"/>
             <a:r>
-              <a:rPr lang="en-US" smtClean="0"/>
+              <a:rPr lang="en-US"/>
               <a:t>Click to edit Master text styles</a:t>
             </a:r>
           </a:p>
           <a:p>
             <a:pPr lvl="1"/>
             <a:r>
-              <a:rPr lang="en-US" smtClean="0"/>
+              <a:rPr lang="en-US"/>
               <a:t>Second level</a:t>
             </a:r>
           </a:p>
           <a:p>
             <a:pPr lvl="2"/>
             <a:r>
-              <a:rPr lang="en-US" smtClean="0"/>
+              <a:rPr lang="en-US"/>
               <a:t>Third level</a:t>
             </a:r>
           </a:p>
           <a:p>
             <a:pPr lvl="3"/>
             <a:r>
-              <a:rPr lang="en-US" smtClean="0"/>
+              <a:rPr lang="en-US"/>
               <a:t>Fourth level</a:t>
             </a:r>
           </a:p>
           <a:p>
             <a:pPr lvl="4"/>
             <a:r>
-              <a:rPr lang="en-US" smtClean="0"/>
+              <a:rPr lang="en-US"/>
               <a:t>Fifth level</a:t>
             </a:r>
-            <a:endParaRPr lang="en-US"/>
           </a:p>
         </p:txBody>
       </p:sp>
@@ -2009,7 +2094,7 @@
           <a:p>
             <a:pPr lvl="0"/>
             <a:r>
-              <a:rPr lang="en-US" smtClean="0"/>
+              <a:rPr lang="en-US"/>
               <a:t>Click to edit Master text styles</a:t>
             </a:r>
           </a:p>
@@ -2065,38 +2150,37 @@
           <a:p>
             <a:pPr lvl="0"/>
             <a:r>
-              <a:rPr lang="en-US" smtClean="0"/>
+              <a:rPr lang="en-US"/>
               <a:t>Click to edit Master text styles</a:t>
             </a:r>
           </a:p>
           <a:p>
             <a:pPr lvl="1"/>
             <a:r>
-              <a:rPr lang="en-US" smtClean="0"/>
+              <a:rPr lang="en-US"/>
               <a:t>Second level</a:t>
             </a:r>
           </a:p>
           <a:p>
             <a:pPr lvl="2"/>
             <a:r>
-              <a:rPr lang="en-US" smtClean="0"/>
+              <a:rPr lang="en-US"/>
               <a:t>Third level</a:t>
             </a:r>
           </a:p>
           <a:p>
             <a:pPr lvl="3"/>
             <a:r>
-              <a:rPr lang="en-US" smtClean="0"/>
+              <a:rPr lang="en-US"/>
               <a:t>Fourth level</a:t>
             </a:r>
           </a:p>
           <a:p>
             <a:pPr lvl="4"/>
             <a:r>
-              <a:rPr lang="en-US" smtClean="0"/>
+              <a:rPr lang="en-US"/>
               <a:t>Fifth level</a:t>
             </a:r>
-            <a:endParaRPr lang="en-US"/>
           </a:p>
         </p:txBody>
       </p:sp>
@@ -2117,7 +2201,7 @@
           <a:p>
             <a:fld id="{78C97017-6FC3-485B-9764-EAC9E56C1D49}" type="datetimeFigureOut">
               <a:rPr lang="en-US" smtClean="0"/>
-              <a:t>10/16/2016</a:t>
+              <a:t>11/11/2018</a:t>
             </a:fld>
             <a:endParaRPr lang="en-US"/>
           </a:p>
@@ -2211,10 +2295,9 @@
           <a:lstStyle/>
           <a:p>
             <a:r>
-              <a:rPr lang="en-US" smtClean="0"/>
+              <a:rPr lang="en-US"/>
               <a:t>Click to edit Master title style</a:t>
             </a:r>
-            <a:endParaRPr lang="en-US"/>
           </a:p>
         </p:txBody>
       </p:sp>
@@ -2235,7 +2318,7 @@
           <a:p>
             <a:fld id="{78C97017-6FC3-485B-9764-EAC9E56C1D49}" type="datetimeFigureOut">
               <a:rPr lang="en-US" smtClean="0"/>
-              <a:t>10/16/2016</a:t>
+              <a:t>11/11/2018</a:t>
             </a:fld>
             <a:endParaRPr lang="en-US"/>
           </a:p>
@@ -2330,7 +2413,7 @@
           <a:p>
             <a:fld id="{78C97017-6FC3-485B-9764-EAC9E56C1D49}" type="datetimeFigureOut">
               <a:rPr lang="en-US" smtClean="0"/>
-              <a:t>10/16/2016</a:t>
+              <a:t>11/11/2018</a:t>
             </a:fld>
             <a:endParaRPr lang="en-US"/>
           </a:p>
@@ -2433,10 +2516,9 @@
           </a:lstStyle>
           <a:p>
             <a:r>
-              <a:rPr lang="en-US" smtClean="0"/>
+              <a:rPr lang="en-US"/>
               <a:t>Click to edit Master title style</a:t>
             </a:r>
-            <a:endParaRPr lang="en-US"/>
           </a:p>
         </p:txBody>
       </p:sp>
@@ -2490,38 +2572,37 @@
           <a:p>
             <a:pPr lvl="0"/>
             <a:r>
-              <a:rPr lang="en-US" smtClean="0"/>
+              <a:rPr lang="en-US"/>
               <a:t>Click to edit Master text styles</a:t>
             </a:r>
           </a:p>
           <a:p>
             <a:pPr lvl="1"/>
             <a:r>
-              <a:rPr lang="en-US" smtClean="0"/>
+              <a:rPr lang="en-US"/>
               <a:t>Second level</a:t>
             </a:r>
           </a:p>
           <a:p>
             <a:pPr lvl="2"/>
             <a:r>
-              <a:rPr lang="en-US" smtClean="0"/>
+              <a:rPr lang="en-US"/>
               <a:t>Third level</a:t>
             </a:r>
           </a:p>
           <a:p>
             <a:pPr lvl="3"/>
             <a:r>
-              <a:rPr lang="en-US" smtClean="0"/>
+              <a:rPr lang="en-US"/>
               <a:t>Fourth level</a:t>
             </a:r>
           </a:p>
           <a:p>
             <a:pPr lvl="4"/>
             <a:r>
-              <a:rPr lang="en-US" smtClean="0"/>
+              <a:rPr lang="en-US"/>
               <a:t>Fifth level</a:t>
             </a:r>
-            <a:endParaRPr lang="en-US"/>
           </a:p>
         </p:txBody>
       </p:sp>
@@ -2584,7 +2665,7 @@
           <a:p>
             <a:pPr lvl="0"/>
             <a:r>
-              <a:rPr lang="en-US" smtClean="0"/>
+              <a:rPr lang="en-US"/>
               <a:t>Click to edit Master text styles</a:t>
             </a:r>
           </a:p>
@@ -2607,7 +2688,7 @@
           <a:p>
             <a:fld id="{78C97017-6FC3-485B-9764-EAC9E56C1D49}" type="datetimeFigureOut">
               <a:rPr lang="en-US" smtClean="0"/>
-              <a:t>10/16/2016</a:t>
+              <a:t>11/11/2018</a:t>
             </a:fld>
             <a:endParaRPr lang="en-US"/>
           </a:p>
@@ -2710,10 +2791,9 @@
           </a:lstStyle>
           <a:p>
             <a:r>
-              <a:rPr lang="en-US" smtClean="0"/>
+              <a:rPr lang="en-US"/>
               <a:t>Click to edit Master title style</a:t>
             </a:r>
-            <a:endParaRPr lang="en-US"/>
           </a:p>
         </p:txBody>
       </p:sp>
@@ -2837,7 +2917,7 @@
           <a:p>
             <a:pPr lvl="0"/>
             <a:r>
-              <a:rPr lang="en-US" smtClean="0"/>
+              <a:rPr lang="en-US"/>
               <a:t>Click to edit Master text styles</a:t>
             </a:r>
           </a:p>
@@ -2860,7 +2940,7 @@
           <a:p>
             <a:fld id="{78C97017-6FC3-485B-9764-EAC9E56C1D49}" type="datetimeFigureOut">
               <a:rPr lang="en-US" smtClean="0"/>
-              <a:t>10/16/2016</a:t>
+              <a:t>11/11/2018</a:t>
             </a:fld>
             <a:endParaRPr lang="en-US"/>
           </a:p>
@@ -2969,10 +3049,9 @@
           <a:lstStyle/>
           <a:p>
             <a:r>
-              <a:rPr lang="en-US" smtClean="0"/>
+              <a:rPr lang="en-US"/>
               <a:t>Click to edit Master title style</a:t>
             </a:r>
-            <a:endParaRPr lang="en-US"/>
           </a:p>
         </p:txBody>
       </p:sp>
@@ -3003,38 +3082,37 @@
           <a:p>
             <a:pPr lvl="0"/>
             <a:r>
-              <a:rPr lang="en-US" smtClean="0"/>
+              <a:rPr lang="en-US"/>
               <a:t>Click to edit Master text styles</a:t>
             </a:r>
           </a:p>
           <a:p>
             <a:pPr lvl="1"/>
             <a:r>
-              <a:rPr lang="en-US" smtClean="0"/>
+              <a:rPr lang="en-US"/>
               <a:t>Second level</a:t>
             </a:r>
           </a:p>
           <a:p>
             <a:pPr lvl="2"/>
             <a:r>
-              <a:rPr lang="en-US" smtClean="0"/>
+              <a:rPr lang="en-US"/>
               <a:t>Third level</a:t>
             </a:r>
           </a:p>
           <a:p>
             <a:pPr lvl="3"/>
             <a:r>
-              <a:rPr lang="en-US" smtClean="0"/>
+              <a:rPr lang="en-US"/>
               <a:t>Fourth level</a:t>
             </a:r>
           </a:p>
           <a:p>
             <a:pPr lvl="4"/>
             <a:r>
-              <a:rPr lang="en-US" smtClean="0"/>
+              <a:rPr lang="en-US"/>
               <a:t>Fifth level</a:t>
             </a:r>
-            <a:endParaRPr lang="en-US"/>
           </a:p>
         </p:txBody>
       </p:sp>
@@ -3073,7 +3151,7 @@
           <a:p>
             <a:fld id="{78C97017-6FC3-485B-9764-EAC9E56C1D49}" type="datetimeFigureOut">
               <a:rPr lang="en-US" smtClean="0"/>
-              <a:t>10/16/2016</a:t>
+              <a:t>11/11/2018</a:t>
             </a:fld>
             <a:endParaRPr lang="en-US"/>
           </a:p>
@@ -3456,8 +3534,8 @@
         </p:nvSpPr>
         <p:spPr>
           <a:xfrm>
-            <a:off x="1119865" y="2086382"/>
-            <a:ext cx="7871735" cy="1723618"/>
+            <a:off x="322029" y="2133609"/>
+            <a:ext cx="8723056" cy="3428980"/>
           </a:xfrm>
           <a:prstGeom prst="roundRect">
             <a:avLst>
@@ -3494,7 +3572,7 @@
           <a:lstStyle/>
           <a:p>
             <a:r>
-              <a:rPr lang="en-US" sz="1200" b="1" dirty="0" smtClean="0">
+              <a:rPr lang="en-US" sz="1200" b="1" dirty="0">
                 <a:solidFill>
                   <a:schemeClr val="accent6">
                     <a:lumMod val="75000"/>
@@ -3521,8 +3599,8 @@
         </p:nvSpPr>
         <p:spPr>
           <a:xfrm>
-            <a:off x="2877180" y="3158440"/>
-            <a:ext cx="1323049" cy="346760"/>
+            <a:off x="2091348" y="3158440"/>
+            <a:ext cx="1573121" cy="346760"/>
           </a:xfrm>
           <a:prstGeom prst="rect">
             <a:avLst/>
@@ -3561,7 +3639,7 @@
           <a:p>
             <a:pPr algn="ctr"/>
             <a:r>
-              <a:rPr lang="en-US" sz="1050" dirty="0" smtClean="0">
+              <a:rPr lang="en-US" sz="1050" dirty="0">
                 <a:solidFill>
                   <a:schemeClr val="bg1"/>
                 </a:solidFill>
@@ -3569,19 +3647,19 @@
               <a:t>&lt;&lt;interface&gt;&gt;</a:t>
             </a:r>
             <a:br>
-              <a:rPr lang="en-US" sz="1050" dirty="0" smtClean="0">
+              <a:rPr lang="en-US" sz="1050" dirty="0">
                 <a:solidFill>
                   <a:schemeClr val="bg1"/>
                 </a:solidFill>
               </a:rPr>
             </a:br>
             <a:r>
-              <a:rPr lang="en-US" sz="1050" dirty="0" err="1" smtClean="0">
+              <a:rPr lang="en-US" sz="1050" dirty="0">
                 <a:solidFill>
                   <a:schemeClr val="bg1"/>
                 </a:solidFill>
               </a:rPr>
-              <a:t>AddressBookStorage</a:t>
+              <a:t>WorkoutBookStorage</a:t>
             </a:r>
             <a:endParaRPr lang="en-SG" sz="1050" dirty="0">
               <a:solidFill>
@@ -3599,8 +3677,8 @@
         </p:nvSpPr>
         <p:spPr>
           <a:xfrm rot="16200000">
-            <a:off x="1683963" y="2868687"/>
-            <a:ext cx="1093635" cy="346760"/>
+            <a:off x="294825" y="3470924"/>
+            <a:ext cx="2312587" cy="346760"/>
           </a:xfrm>
           <a:prstGeom prst="rect">
             <a:avLst/>
@@ -3639,7 +3717,7 @@
           <a:p>
             <a:pPr algn="ctr"/>
             <a:r>
-              <a:rPr lang="en-US" sz="1050" dirty="0" err="1" smtClean="0">
+              <a:rPr lang="en-US" sz="1050" dirty="0">
                 <a:solidFill>
                   <a:schemeClr val="bg1"/>
                 </a:solidFill>
@@ -3662,8 +3740,8 @@
         </p:nvSpPr>
         <p:spPr>
           <a:xfrm rot="16200000">
-            <a:off x="956202" y="2861202"/>
-            <a:ext cx="1093635" cy="346760"/>
+            <a:off x="-436679" y="3467182"/>
+            <a:ext cx="2320074" cy="346760"/>
           </a:xfrm>
           <a:prstGeom prst="rect">
             <a:avLst/>
@@ -3713,7 +3791,7 @@
           <a:p>
             <a:pPr algn="ctr"/>
             <a:r>
-              <a:rPr lang="en-US" sz="1050" dirty="0" smtClean="0">
+              <a:rPr lang="en-US" sz="1050" dirty="0">
                 <a:solidFill>
                   <a:schemeClr val="bg1"/>
                 </a:solidFill>
@@ -3736,7 +3814,7 @@
         </p:nvSpPr>
         <p:spPr>
           <a:xfrm rot="16200000">
-            <a:off x="1626910" y="2952291"/>
+            <a:off x="835805" y="3563134"/>
             <a:ext cx="270504" cy="175523"/>
           </a:xfrm>
           <a:prstGeom prst="triangle">
@@ -3787,6 +3865,7 @@
         <p:nvCxnSpPr>
           <p:cNvPr id="58" name="Straight Arrow Connector 57"/>
           <p:cNvCxnSpPr>
+            <a:cxnSpLocks/>
             <a:stCxn id="42" idx="3"/>
             <a:endCxn id="2" idx="1"/>
           </p:cNvCxnSpPr>
@@ -3794,7 +3873,7 @@
         </p:nvCxnSpPr>
         <p:spPr>
           <a:xfrm>
-            <a:off x="2656370" y="3326536"/>
+            <a:off x="1870538" y="3326536"/>
             <a:ext cx="220810" cy="5284"/>
           </a:xfrm>
           <a:prstGeom prst="straightConnector1">
@@ -3806,49 +3885,6 @@
                 <a:lumMod val="75000"/>
               </a:schemeClr>
             </a:solidFill>
-            <a:headEnd type="none" w="med" len="med"/>
-            <a:tailEnd type="arrow" w="med" len="med"/>
-          </a:ln>
-          <a:effectLst/>
-        </p:spPr>
-        <p:style>
-          <a:lnRef idx="1">
-            <a:schemeClr val="accent2"/>
-          </a:lnRef>
-          <a:fillRef idx="2">
-            <a:schemeClr val="accent2"/>
-          </a:fillRef>
-          <a:effectRef idx="1">
-            <a:schemeClr val="accent2"/>
-          </a:effectRef>
-          <a:fontRef idx="minor">
-            <a:schemeClr val="dk1"/>
-          </a:fontRef>
-        </p:style>
-      </p:cxnSp>
-      <p:cxnSp>
-        <p:nvCxnSpPr>
-          <p:cNvPr id="75" name="Elbow Connector 122"/>
-          <p:cNvCxnSpPr/>
-          <p:nvPr/>
-        </p:nvCxnSpPr>
-        <p:spPr>
-          <a:xfrm>
-            <a:off x="910091" y="3040053"/>
-            <a:ext cx="419548" cy="2860"/>
-          </a:xfrm>
-          <a:prstGeom prst="bentConnector3">
-            <a:avLst>
-              <a:gd name="adj1" fmla="val 50000"/>
-            </a:avLst>
-          </a:prstGeom>
-          <a:ln w="19050">
-            <a:solidFill>
-              <a:schemeClr val="bg1">
-                <a:lumMod val="75000"/>
-              </a:schemeClr>
-            </a:solidFill>
-            <a:prstDash val="sysDot"/>
             <a:headEnd type="none" w="med" len="med"/>
             <a:tailEnd type="arrow" w="med" len="med"/>
           </a:ln>
@@ -3879,7 +3915,7 @@
         </p:nvCxnSpPr>
         <p:spPr>
           <a:xfrm flipV="1">
-            <a:off x="1849924" y="3040052"/>
+            <a:off x="1058819" y="3650895"/>
             <a:ext cx="216105" cy="1"/>
           </a:xfrm>
           <a:prstGeom prst="line">
@@ -3920,7 +3956,7 @@
         </p:nvSpPr>
         <p:spPr>
           <a:xfrm>
-            <a:off x="2420322" y="3239846"/>
+            <a:off x="1634490" y="3239846"/>
             <a:ext cx="236048" cy="173380"/>
           </a:xfrm>
           <a:prstGeom prst="flowChartDecision">
@@ -3967,6 +4003,7 @@
         <p:nvCxnSpPr>
           <p:cNvPr id="97" name="Elbow Connector 63"/>
           <p:cNvCxnSpPr>
+            <a:cxnSpLocks/>
             <a:stCxn id="99" idx="3"/>
             <a:endCxn id="50" idx="1"/>
           </p:cNvCxnSpPr>
@@ -3974,8 +4011,8 @@
         </p:nvCxnSpPr>
         <p:spPr>
           <a:xfrm flipV="1">
-            <a:off x="4398041" y="3331820"/>
-            <a:ext cx="223324" cy="1"/>
+            <a:off x="3865895" y="3326535"/>
+            <a:ext cx="214748" cy="1"/>
           </a:xfrm>
           <a:prstGeom prst="bentConnector3">
             <a:avLst>
@@ -4017,7 +4054,7 @@
         </p:nvSpPr>
         <p:spPr>
           <a:xfrm rot="5400000" flipV="1">
-            <a:off x="4175027" y="3244059"/>
+            <a:off x="3642881" y="3238774"/>
             <a:ext cx="270504" cy="175523"/>
           </a:xfrm>
           <a:prstGeom prst="triangle">
@@ -4068,15 +4105,16 @@
         <p:nvCxnSpPr>
           <p:cNvPr id="124" name="Elbow Connector 122"/>
           <p:cNvCxnSpPr>
+            <a:cxnSpLocks/>
             <a:stCxn id="50" idx="3"/>
             <a:endCxn id="66" idx="1"/>
           </p:cNvCxnSpPr>
           <p:nvPr/>
         </p:nvCxnSpPr>
         <p:spPr>
-          <a:xfrm>
-            <a:off x="5791200" y="3331820"/>
-            <a:ext cx="228600" cy="1970"/>
+          <a:xfrm flipV="1">
+            <a:off x="5299843" y="3325027"/>
+            <a:ext cx="373178" cy="1508"/>
           </a:xfrm>
           <a:prstGeom prst="bentConnector3">
             <a:avLst>
@@ -4118,8 +4156,8 @@
         </p:nvSpPr>
         <p:spPr>
           <a:xfrm>
-            <a:off x="4621365" y="3158440"/>
-            <a:ext cx="1169835" cy="346760"/>
+            <a:off x="4080643" y="3153155"/>
+            <a:ext cx="1219200" cy="346760"/>
           </a:xfrm>
           <a:prstGeom prst="rect">
             <a:avLst/>
@@ -4147,27 +4185,17 @@
           <a:p>
             <a:pPr algn="ctr"/>
             <a:r>
-              <a:rPr lang="en-US" sz="1050" b="1" dirty="0" err="1" smtClean="0">
+              <a:rPr lang="en-US" sz="1050" b="1" dirty="0">
                 <a:solidFill>
                   <a:schemeClr val="accent6">
                     <a:lumMod val="75000"/>
                   </a:schemeClr>
                 </a:solidFill>
               </a:rPr>
-              <a:t>XmlAddressBook</a:t>
-            </a:r>
-            <a:r>
-              <a:rPr lang="en-US" sz="1050" b="1" dirty="0" smtClean="0">
-                <a:solidFill>
-                  <a:schemeClr val="accent6">
-                    <a:lumMod val="75000"/>
-                  </a:schemeClr>
-                </a:solidFill>
-              </a:rPr>
-              <a:t/>
+              <a:t>XmlWorkoutBook</a:t>
             </a:r>
             <a:br>
-              <a:rPr lang="en-US" sz="1050" b="1" dirty="0" smtClean="0">
+              <a:rPr lang="en-US" sz="1050" b="1" dirty="0">
                 <a:solidFill>
                   <a:schemeClr val="accent6">
                     <a:lumMod val="75000"/>
@@ -4176,7 +4204,7 @@
               </a:rPr>
             </a:br>
             <a:r>
-              <a:rPr lang="en-US" sz="1050" b="1" dirty="0" smtClean="0">
+              <a:rPr lang="en-US" sz="1050" b="1" dirty="0">
                 <a:solidFill>
                   <a:schemeClr val="accent6">
                     <a:lumMod val="75000"/>
@@ -4203,8 +4231,8 @@
         </p:nvSpPr>
         <p:spPr>
           <a:xfrm>
-            <a:off x="2873943" y="2558040"/>
-            <a:ext cx="1323049" cy="346760"/>
+            <a:off x="2087538" y="2558040"/>
+            <a:ext cx="1576931" cy="346760"/>
           </a:xfrm>
           <a:prstGeom prst="rect">
             <a:avLst/>
@@ -4243,7 +4271,7 @@
           <a:p>
             <a:pPr algn="ctr"/>
             <a:r>
-              <a:rPr lang="en-US" sz="1050" dirty="0" smtClean="0">
+              <a:rPr lang="en-US" sz="1050" dirty="0">
                 <a:solidFill>
                   <a:schemeClr val="bg1"/>
                 </a:solidFill>
@@ -4251,14 +4279,14 @@
               <a:t>&lt;&lt;interface&gt;&gt;</a:t>
             </a:r>
             <a:br>
-              <a:rPr lang="en-US" sz="1050" dirty="0" smtClean="0">
+              <a:rPr lang="en-US" sz="1050" dirty="0">
                 <a:solidFill>
                   <a:schemeClr val="bg1"/>
                 </a:solidFill>
               </a:rPr>
             </a:br>
             <a:r>
-              <a:rPr lang="en-US" sz="1050" dirty="0" err="1" smtClean="0">
+              <a:rPr lang="en-US" sz="1050" dirty="0">
                 <a:solidFill>
                   <a:schemeClr val="bg1"/>
                 </a:solidFill>
@@ -4277,6 +4305,7 @@
         <p:nvCxnSpPr>
           <p:cNvPr id="54" name="Straight Arrow Connector 53"/>
           <p:cNvCxnSpPr>
+            <a:cxnSpLocks/>
             <a:stCxn id="56" idx="3"/>
             <a:endCxn id="52" idx="1"/>
           </p:cNvCxnSpPr>
@@ -4284,7 +4313,7 @@
         </p:nvCxnSpPr>
         <p:spPr>
           <a:xfrm>
-            <a:off x="2653133" y="2726136"/>
+            <a:off x="1866728" y="2726136"/>
             <a:ext cx="220810" cy="5284"/>
           </a:xfrm>
           <a:prstGeom prst="straightConnector1">
@@ -4324,7 +4353,7 @@
         </p:nvSpPr>
         <p:spPr>
           <a:xfrm>
-            <a:off x="2417085" y="2639446"/>
+            <a:off x="1630680" y="2639446"/>
             <a:ext cx="236048" cy="173380"/>
           </a:xfrm>
           <a:prstGeom prst="flowChartDecision">
@@ -4378,7 +4407,7 @@
         </p:nvCxnSpPr>
         <p:spPr>
           <a:xfrm flipV="1">
-            <a:off x="4394804" y="2731420"/>
+            <a:off x="3857319" y="2731420"/>
             <a:ext cx="223324" cy="1"/>
           </a:xfrm>
           <a:prstGeom prst="bentConnector3">
@@ -4421,7 +4450,7 @@
         </p:nvSpPr>
         <p:spPr>
           <a:xfrm rot="5400000" flipV="1">
-            <a:off x="4171790" y="2643659"/>
+            <a:off x="3634305" y="2643659"/>
             <a:ext cx="270504" cy="175523"/>
           </a:xfrm>
           <a:prstGeom prst="triangle">
@@ -4476,7 +4505,7 @@
         </p:nvSpPr>
         <p:spPr>
           <a:xfrm>
-            <a:off x="4618128" y="2558040"/>
+            <a:off x="4080643" y="2558040"/>
             <a:ext cx="1093635" cy="346760"/>
           </a:xfrm>
           <a:prstGeom prst="rect">
@@ -4516,30 +4545,22 @@
           <a:p>
             <a:pPr algn="ctr"/>
             <a:r>
-              <a:rPr lang="en-US" sz="1050" dirty="0" err="1" smtClean="0">
+              <a:rPr lang="en-US" sz="1050" dirty="0">
                 <a:solidFill>
                   <a:schemeClr val="bg1"/>
                 </a:solidFill>
               </a:rPr>
               <a:t>JsonUserPrefs</a:t>
             </a:r>
-            <a:r>
-              <a:rPr lang="en-US" sz="1050" dirty="0" smtClean="0">
-                <a:solidFill>
-                  <a:schemeClr val="bg1"/>
-                </a:solidFill>
-              </a:rPr>
-              <a:t/>
-            </a:r>
             <a:br>
-              <a:rPr lang="en-US" sz="1050" dirty="0" smtClean="0">
+              <a:rPr lang="en-US" sz="1050" dirty="0">
                 <a:solidFill>
                   <a:schemeClr val="bg1"/>
                 </a:solidFill>
               </a:rPr>
             </a:br>
             <a:r>
-              <a:rPr lang="en-US" sz="1050" dirty="0" smtClean="0">
+              <a:rPr lang="en-US" sz="1050" dirty="0">
                 <a:solidFill>
                   <a:schemeClr val="bg1"/>
                 </a:solidFill>
@@ -4562,7 +4583,7 @@
         </p:nvSpPr>
         <p:spPr>
           <a:xfrm>
-            <a:off x="6019800" y="3160410"/>
+            <a:off x="5673021" y="3151647"/>
             <a:ext cx="1200707" cy="346760"/>
           </a:xfrm>
           <a:prstGeom prst="rect">
@@ -4591,7 +4612,7 @@
           <a:p>
             <a:pPr algn="ctr"/>
             <a:r>
-              <a:rPr lang="en-US" sz="1050" b="1" dirty="0" err="1" smtClean="0">
+              <a:rPr lang="en-US" sz="1050" b="1" dirty="0">
                 <a:solidFill>
                   <a:schemeClr val="accent6">
                     <a:lumMod val="75000"/>
@@ -4600,18 +4621,8 @@
               </a:rPr>
               <a:t>XmlSerializable</a:t>
             </a:r>
-            <a:r>
-              <a:rPr lang="en-US" sz="1050" b="1" dirty="0" smtClean="0">
-                <a:solidFill>
-                  <a:schemeClr val="accent6">
-                    <a:lumMod val="75000"/>
-                  </a:schemeClr>
-                </a:solidFill>
-              </a:rPr>
-              <a:t/>
-            </a:r>
             <a:br>
-              <a:rPr lang="en-US" sz="1050" b="1" dirty="0" smtClean="0">
+              <a:rPr lang="en-US" sz="1050" b="1" dirty="0">
                 <a:solidFill>
                   <a:schemeClr val="accent6">
                     <a:lumMod val="75000"/>
@@ -4620,14 +4631,14 @@
               </a:rPr>
             </a:br>
             <a:r>
-              <a:rPr lang="en-US" sz="1050" b="1" dirty="0" err="1" smtClean="0">
+              <a:rPr lang="en-US" sz="1050" b="1" dirty="0">
                 <a:solidFill>
                   <a:schemeClr val="accent6">
                     <a:lumMod val="75000"/>
                   </a:schemeClr>
                 </a:solidFill>
               </a:rPr>
-              <a:t>AddressBook</a:t>
+              <a:t>WorkoutBook</a:t>
             </a:r>
             <a:endParaRPr lang="en-SG" sz="1050" b="1" dirty="0">
               <a:solidFill>
@@ -4643,6 +4654,7 @@
         <p:nvCxnSpPr>
           <p:cNvPr id="70" name="Elbow Connector 122"/>
           <p:cNvCxnSpPr>
+            <a:cxnSpLocks/>
             <a:stCxn id="74" idx="0"/>
             <a:endCxn id="73" idx="2"/>
           </p:cNvCxnSpPr>
@@ -4650,8 +4662,8 @@
         </p:nvCxnSpPr>
         <p:spPr>
           <a:xfrm rot="5400000" flipH="1" flipV="1">
-            <a:off x="8077993" y="2992020"/>
-            <a:ext cx="335208" cy="12700"/>
+            <a:off x="7722327" y="3008175"/>
+            <a:ext cx="285583" cy="2580"/>
           </a:xfrm>
           <a:prstGeom prst="bentConnector3">
             <a:avLst>
@@ -4688,7 +4700,7 @@
         </p:nvSpPr>
         <p:spPr>
           <a:xfrm>
-            <a:off x="7615738" y="2477656"/>
+            <a:off x="7236549" y="2519913"/>
             <a:ext cx="1259718" cy="346760"/>
           </a:xfrm>
           <a:prstGeom prst="rect">
@@ -4717,7 +4729,7 @@
           <a:p>
             <a:pPr algn="ctr"/>
             <a:r>
-              <a:rPr lang="en-US" sz="1050" b="1" dirty="0" err="1" smtClean="0">
+              <a:rPr lang="en-US" sz="1050" b="1" dirty="0">
                 <a:solidFill>
                   <a:schemeClr val="accent6">
                     <a:lumMod val="75000"/>
@@ -4744,8 +4756,8 @@
         </p:nvSpPr>
         <p:spPr>
           <a:xfrm>
-            <a:off x="7615738" y="3159624"/>
-            <a:ext cx="1259718" cy="346760"/>
+            <a:off x="7179905" y="3152256"/>
+            <a:ext cx="1367846" cy="346760"/>
           </a:xfrm>
           <a:prstGeom prst="rect">
             <a:avLst/>
@@ -4773,14 +4785,14 @@
           <a:p>
             <a:pPr algn="ctr"/>
             <a:r>
-              <a:rPr lang="en-US" sz="1050" b="1" dirty="0" err="1" smtClean="0">
+              <a:rPr lang="en-US" sz="1050" b="1" dirty="0">
                 <a:solidFill>
                   <a:schemeClr val="accent6">
                     <a:lumMod val="75000"/>
                   </a:schemeClr>
                 </a:solidFill>
               </a:rPr>
-              <a:t>XmlAdaptedPerson</a:t>
+              <a:t>XmlAdaptedWorkout</a:t>
             </a:r>
             <a:endParaRPr lang="en-SG" sz="1050" b="1" dirty="0">
               <a:solidFill>
@@ -4796,15 +4808,1433 @@
         <p:nvCxnSpPr>
           <p:cNvPr id="77" name="Elbow Connector 122"/>
           <p:cNvCxnSpPr>
+            <a:cxnSpLocks/>
             <a:stCxn id="66" idx="3"/>
             <a:endCxn id="74" idx="1"/>
           </p:cNvCxnSpPr>
           <p:nvPr/>
         </p:nvCxnSpPr>
         <p:spPr>
+          <a:xfrm>
+            <a:off x="6873728" y="3325027"/>
+            <a:ext cx="306177" cy="609"/>
+          </a:xfrm>
+          <a:prstGeom prst="bentConnector3">
+            <a:avLst>
+              <a:gd name="adj1" fmla="val 50000"/>
+            </a:avLst>
+          </a:prstGeom>
+          <a:ln w="19050">
+            <a:prstDash val="sysDot"/>
+            <a:headEnd type="none" w="med" len="med"/>
+            <a:tailEnd type="arrow" w="med" len="med"/>
+          </a:ln>
+          <a:effectLst/>
+        </p:spPr>
+        <p:style>
+          <a:lnRef idx="1">
+            <a:schemeClr val="accent6"/>
+          </a:lnRef>
+          <a:fillRef idx="2">
+            <a:schemeClr val="accent6"/>
+          </a:fillRef>
+          <a:effectRef idx="1">
+            <a:schemeClr val="accent6"/>
+          </a:effectRef>
+          <a:fontRef idx="minor">
+            <a:schemeClr val="dk1"/>
+          </a:fontRef>
+        </p:style>
+      </p:cxnSp>
+      <p:cxnSp>
+        <p:nvCxnSpPr>
+          <p:cNvPr id="20" name="Straight Arrow Connector 19">
+            <a:extLst>
+              <a:ext uri="{FF2B5EF4-FFF2-40B4-BE49-F238E27FC236}">
+                <a16:creationId xmlns:a16="http://schemas.microsoft.com/office/drawing/2014/main" id="{97B1D493-7A85-44D9-9349-A55DBDFCFB91}"/>
+              </a:ext>
+            </a:extLst>
+          </p:cNvPr>
+          <p:cNvCxnSpPr>
+            <a:cxnSpLocks/>
+          </p:cNvCxnSpPr>
+          <p:nvPr/>
+        </p:nvCxnSpPr>
+        <p:spPr>
+          <a:xfrm>
+            <a:off x="117454" y="3650895"/>
+            <a:ext cx="432523" cy="0"/>
+          </a:xfrm>
+          <a:prstGeom prst="straightConnector1">
+            <a:avLst/>
+          </a:prstGeom>
+          <a:ln>
+            <a:solidFill>
+              <a:schemeClr val="bg1">
+                <a:lumMod val="75000"/>
+              </a:schemeClr>
+            </a:solidFill>
+            <a:prstDash val="sysDash"/>
+            <a:tailEnd type="arrow"/>
+          </a:ln>
+        </p:spPr>
+        <p:style>
+          <a:lnRef idx="1">
+            <a:schemeClr val="accent1"/>
+          </a:lnRef>
+          <a:fillRef idx="0">
+            <a:schemeClr val="accent1"/>
+          </a:fillRef>
+          <a:effectRef idx="0">
+            <a:schemeClr val="accent1"/>
+          </a:effectRef>
+          <a:fontRef idx="minor">
+            <a:schemeClr val="tx1"/>
+          </a:fontRef>
+        </p:style>
+      </p:cxnSp>
+      <p:sp>
+        <p:nvSpPr>
+          <p:cNvPr id="51" name="Rectangle 8">
+            <a:extLst>
+              <a:ext uri="{FF2B5EF4-FFF2-40B4-BE49-F238E27FC236}">
+                <a16:creationId xmlns:a16="http://schemas.microsoft.com/office/drawing/2014/main" id="{85741F42-985A-4EA9-9BD5-C14DF62DFF5F}"/>
+              </a:ext>
+            </a:extLst>
+          </p:cNvPr>
+          <p:cNvSpPr/>
+          <p:nvPr/>
+        </p:nvSpPr>
+        <p:spPr>
+          <a:xfrm>
+            <a:off x="2087958" y="3748272"/>
+            <a:ext cx="1576931" cy="346760"/>
+          </a:xfrm>
+          <a:prstGeom prst="rect">
+            <a:avLst/>
+          </a:prstGeom>
+          <a:solidFill>
+            <a:schemeClr val="accent6">
+              <a:lumMod val="75000"/>
+            </a:schemeClr>
+          </a:solidFill>
+          <a:ln w="19050">
+            <a:solidFill>
+              <a:schemeClr val="accent6">
+                <a:lumMod val="75000"/>
+              </a:schemeClr>
+            </a:solidFill>
+          </a:ln>
+          <a:effectLst/>
+        </p:spPr>
+        <p:style>
+          <a:lnRef idx="1">
+            <a:schemeClr val="accent2"/>
+          </a:lnRef>
+          <a:fillRef idx="2">
+            <a:schemeClr val="accent2"/>
+          </a:fillRef>
+          <a:effectRef idx="1">
+            <a:schemeClr val="accent2"/>
+          </a:effectRef>
+          <a:fontRef idx="minor">
+            <a:schemeClr val="dk1"/>
+          </a:fontRef>
+        </p:style>
+        <p:txBody>
+          <a:bodyPr rtlCol="0" anchor="ctr"/>
+          <a:lstStyle/>
+          <a:p>
+            <a:pPr algn="ctr"/>
+            <a:r>
+              <a:rPr lang="en-US" sz="1050" dirty="0">
+                <a:solidFill>
+                  <a:schemeClr val="bg1"/>
+                </a:solidFill>
+              </a:rPr>
+              <a:t>&lt;&lt;interface&gt;&gt;</a:t>
+            </a:r>
+            <a:br>
+              <a:rPr lang="en-US" sz="1050" dirty="0">
+                <a:solidFill>
+                  <a:schemeClr val="bg1"/>
+                </a:solidFill>
+              </a:rPr>
+            </a:br>
+            <a:r>
+              <a:rPr lang="en-US" sz="1050" dirty="0">
+                <a:solidFill>
+                  <a:schemeClr val="bg1"/>
+                </a:solidFill>
+              </a:rPr>
+              <a:t>TrackedDataListStorage</a:t>
+            </a:r>
+            <a:endParaRPr lang="en-SG" sz="1050" dirty="0">
+              <a:solidFill>
+                <a:schemeClr val="bg1"/>
+              </a:solidFill>
+            </a:endParaRPr>
+          </a:p>
+        </p:txBody>
+      </p:sp>
+      <p:cxnSp>
+        <p:nvCxnSpPr>
+          <p:cNvPr id="53" name="Straight Arrow Connector 52">
+            <a:extLst>
+              <a:ext uri="{FF2B5EF4-FFF2-40B4-BE49-F238E27FC236}">
+                <a16:creationId xmlns:a16="http://schemas.microsoft.com/office/drawing/2014/main" id="{C3778CDA-2A98-42ED-A0C5-CDA50AD847E4}"/>
+              </a:ext>
+            </a:extLst>
+          </p:cNvPr>
+          <p:cNvCxnSpPr>
+            <a:cxnSpLocks/>
+            <a:stCxn id="55" idx="3"/>
+            <a:endCxn id="51" idx="1"/>
+          </p:cNvCxnSpPr>
+          <p:nvPr/>
+        </p:nvCxnSpPr>
+        <p:spPr>
+          <a:xfrm>
+            <a:off x="1867148" y="3916368"/>
+            <a:ext cx="220810" cy="5284"/>
+          </a:xfrm>
+          <a:prstGeom prst="straightConnector1">
+            <a:avLst/>
+          </a:prstGeom>
+          <a:ln w="19050">
+            <a:solidFill>
+              <a:schemeClr val="accent6">
+                <a:lumMod val="75000"/>
+              </a:schemeClr>
+            </a:solidFill>
+            <a:headEnd type="none" w="med" len="med"/>
+            <a:tailEnd type="arrow" w="med" len="med"/>
+          </a:ln>
+          <a:effectLst/>
+        </p:spPr>
+        <p:style>
+          <a:lnRef idx="1">
+            <a:schemeClr val="accent2"/>
+          </a:lnRef>
+          <a:fillRef idx="2">
+            <a:schemeClr val="accent2"/>
+          </a:fillRef>
+          <a:effectRef idx="1">
+            <a:schemeClr val="accent2"/>
+          </a:effectRef>
+          <a:fontRef idx="minor">
+            <a:schemeClr val="dk1"/>
+          </a:fontRef>
+        </p:style>
+      </p:cxnSp>
+      <p:sp>
+        <p:nvSpPr>
+          <p:cNvPr id="55" name="Flowchart: Decision 96">
+            <a:extLst>
+              <a:ext uri="{FF2B5EF4-FFF2-40B4-BE49-F238E27FC236}">
+                <a16:creationId xmlns:a16="http://schemas.microsoft.com/office/drawing/2014/main" id="{144BB2E9-2D3B-4ED5-98E4-E793BEE65EDF}"/>
+              </a:ext>
+            </a:extLst>
+          </p:cNvPr>
+          <p:cNvSpPr/>
+          <p:nvPr/>
+        </p:nvSpPr>
+        <p:spPr>
+          <a:xfrm>
+            <a:off x="1631100" y="3829678"/>
+            <a:ext cx="236048" cy="173380"/>
+          </a:xfrm>
+          <a:prstGeom prst="flowChartDecision">
+            <a:avLst/>
+          </a:prstGeom>
+          <a:noFill/>
+          <a:ln w="19050">
+            <a:solidFill>
+              <a:schemeClr val="accent6">
+                <a:lumMod val="75000"/>
+              </a:schemeClr>
+            </a:solidFill>
+          </a:ln>
+          <a:effectLst/>
+        </p:spPr>
+        <p:style>
+          <a:lnRef idx="1">
+            <a:schemeClr val="accent2"/>
+          </a:lnRef>
+          <a:fillRef idx="2">
+            <a:schemeClr val="accent2"/>
+          </a:fillRef>
+          <a:effectRef idx="1">
+            <a:schemeClr val="accent2"/>
+          </a:effectRef>
+          <a:fontRef idx="minor">
+            <a:schemeClr val="dk1"/>
+          </a:fontRef>
+        </p:style>
+        <p:txBody>
+          <a:bodyPr rtlCol="0" anchor="ctr"/>
+          <a:lstStyle/>
+          <a:p>
+            <a:pPr algn="ctr"/>
+            <a:endParaRPr lang="en-US" sz="1050">
+              <a:solidFill>
+                <a:schemeClr val="bg1"/>
+              </a:solidFill>
+            </a:endParaRPr>
+          </a:p>
+        </p:txBody>
+      </p:sp>
+      <p:sp>
+        <p:nvSpPr>
+          <p:cNvPr id="69" name="Rectangle 8">
+            <a:extLst>
+              <a:ext uri="{FF2B5EF4-FFF2-40B4-BE49-F238E27FC236}">
+                <a16:creationId xmlns:a16="http://schemas.microsoft.com/office/drawing/2014/main" id="{215D55CA-BFF3-4CB0-8293-6781586E2817}"/>
+              </a:ext>
+            </a:extLst>
+          </p:cNvPr>
+          <p:cNvSpPr/>
+          <p:nvPr/>
+        </p:nvSpPr>
+        <p:spPr>
+          <a:xfrm>
+            <a:off x="2087538" y="4332820"/>
+            <a:ext cx="1576931" cy="346760"/>
+          </a:xfrm>
+          <a:prstGeom prst="rect">
+            <a:avLst/>
+          </a:prstGeom>
+          <a:solidFill>
+            <a:schemeClr val="accent6">
+              <a:lumMod val="75000"/>
+            </a:schemeClr>
+          </a:solidFill>
+          <a:ln w="19050">
+            <a:solidFill>
+              <a:schemeClr val="accent6">
+                <a:lumMod val="75000"/>
+              </a:schemeClr>
+            </a:solidFill>
+          </a:ln>
+          <a:effectLst/>
+        </p:spPr>
+        <p:style>
+          <a:lnRef idx="1">
+            <a:schemeClr val="accent2"/>
+          </a:lnRef>
+          <a:fillRef idx="2">
+            <a:schemeClr val="accent2"/>
+          </a:fillRef>
+          <a:effectRef idx="1">
+            <a:schemeClr val="accent2"/>
+          </a:effectRef>
+          <a:fontRef idx="minor">
+            <a:schemeClr val="dk1"/>
+          </a:fontRef>
+        </p:style>
+        <p:txBody>
+          <a:bodyPr rtlCol="0" anchor="ctr"/>
+          <a:lstStyle/>
+          <a:p>
+            <a:pPr algn="ctr"/>
+            <a:r>
+              <a:rPr lang="en-US" sz="1050" dirty="0">
+                <a:solidFill>
+                  <a:schemeClr val="bg1"/>
+                </a:solidFill>
+              </a:rPr>
+              <a:t>&lt;&lt;interface&gt;&gt;</a:t>
+            </a:r>
+            <a:br>
+              <a:rPr lang="en-US" sz="1050" dirty="0">
+                <a:solidFill>
+                  <a:schemeClr val="bg1"/>
+                </a:solidFill>
+              </a:rPr>
+            </a:br>
+            <a:r>
+              <a:rPr lang="en-US" sz="1050" dirty="0">
+                <a:solidFill>
+                  <a:schemeClr val="bg1"/>
+                </a:solidFill>
+              </a:rPr>
+              <a:t>TrackedDataStorage</a:t>
+            </a:r>
+            <a:endParaRPr lang="en-SG" sz="1050" dirty="0">
+              <a:solidFill>
+                <a:schemeClr val="bg1"/>
+              </a:solidFill>
+            </a:endParaRPr>
+          </a:p>
+        </p:txBody>
+      </p:sp>
+      <p:cxnSp>
+        <p:nvCxnSpPr>
+          <p:cNvPr id="71" name="Straight Arrow Connector 70">
+            <a:extLst>
+              <a:ext uri="{FF2B5EF4-FFF2-40B4-BE49-F238E27FC236}">
+                <a16:creationId xmlns:a16="http://schemas.microsoft.com/office/drawing/2014/main" id="{5CC93E88-1735-4FBF-9BB0-9704E4BC5EEC}"/>
+              </a:ext>
+            </a:extLst>
+          </p:cNvPr>
+          <p:cNvCxnSpPr>
+            <a:cxnSpLocks/>
+            <a:stCxn id="72" idx="3"/>
+            <a:endCxn id="69" idx="1"/>
+          </p:cNvCxnSpPr>
+          <p:nvPr/>
+        </p:nvCxnSpPr>
+        <p:spPr>
+          <a:xfrm>
+            <a:off x="1866728" y="4500916"/>
+            <a:ext cx="220810" cy="5284"/>
+          </a:xfrm>
+          <a:prstGeom prst="straightConnector1">
+            <a:avLst/>
+          </a:prstGeom>
+          <a:ln w="19050">
+            <a:solidFill>
+              <a:schemeClr val="accent6">
+                <a:lumMod val="75000"/>
+              </a:schemeClr>
+            </a:solidFill>
+            <a:headEnd type="none" w="med" len="med"/>
+            <a:tailEnd type="arrow" w="med" len="med"/>
+          </a:ln>
+          <a:effectLst/>
+        </p:spPr>
+        <p:style>
+          <a:lnRef idx="1">
+            <a:schemeClr val="accent2"/>
+          </a:lnRef>
+          <a:fillRef idx="2">
+            <a:schemeClr val="accent2"/>
+          </a:fillRef>
+          <a:effectRef idx="1">
+            <a:schemeClr val="accent2"/>
+          </a:effectRef>
+          <a:fontRef idx="minor">
+            <a:schemeClr val="dk1"/>
+          </a:fontRef>
+        </p:style>
+      </p:cxnSp>
+      <p:sp>
+        <p:nvSpPr>
+          <p:cNvPr id="72" name="Flowchart: Decision 96">
+            <a:extLst>
+              <a:ext uri="{FF2B5EF4-FFF2-40B4-BE49-F238E27FC236}">
+                <a16:creationId xmlns:a16="http://schemas.microsoft.com/office/drawing/2014/main" id="{8DB8F0A1-093F-4538-9940-B692AB1CAA41}"/>
+              </a:ext>
+            </a:extLst>
+          </p:cNvPr>
+          <p:cNvSpPr/>
+          <p:nvPr/>
+        </p:nvSpPr>
+        <p:spPr>
+          <a:xfrm>
+            <a:off x="1630680" y="4414226"/>
+            <a:ext cx="236048" cy="173380"/>
+          </a:xfrm>
+          <a:prstGeom prst="flowChartDecision">
+            <a:avLst/>
+          </a:prstGeom>
+          <a:noFill/>
+          <a:ln w="19050">
+            <a:solidFill>
+              <a:schemeClr val="accent6">
+                <a:lumMod val="75000"/>
+              </a:schemeClr>
+            </a:solidFill>
+          </a:ln>
+          <a:effectLst/>
+        </p:spPr>
+        <p:style>
+          <a:lnRef idx="1">
+            <a:schemeClr val="accent2"/>
+          </a:lnRef>
+          <a:fillRef idx="2">
+            <a:schemeClr val="accent2"/>
+          </a:fillRef>
+          <a:effectRef idx="1">
+            <a:schemeClr val="accent2"/>
+          </a:effectRef>
+          <a:fontRef idx="minor">
+            <a:schemeClr val="dk1"/>
+          </a:fontRef>
+        </p:style>
+        <p:txBody>
+          <a:bodyPr rtlCol="0" anchor="ctr"/>
+          <a:lstStyle/>
+          <a:p>
+            <a:pPr algn="ctr"/>
+            <a:endParaRPr lang="en-US" sz="1050">
+              <a:solidFill>
+                <a:schemeClr val="bg1"/>
+              </a:solidFill>
+            </a:endParaRPr>
+          </a:p>
+        </p:txBody>
+      </p:sp>
+      <p:cxnSp>
+        <p:nvCxnSpPr>
+          <p:cNvPr id="84" name="Elbow Connector 63">
+            <a:extLst>
+              <a:ext uri="{FF2B5EF4-FFF2-40B4-BE49-F238E27FC236}">
+                <a16:creationId xmlns:a16="http://schemas.microsoft.com/office/drawing/2014/main" id="{23B11397-1926-420F-960F-7B7AB325364F}"/>
+              </a:ext>
+            </a:extLst>
+          </p:cNvPr>
+          <p:cNvCxnSpPr>
+            <a:cxnSpLocks/>
+            <a:stCxn id="85" idx="3"/>
+            <a:endCxn id="87" idx="1"/>
+          </p:cNvCxnSpPr>
+          <p:nvPr/>
+        </p:nvCxnSpPr>
+        <p:spPr>
           <a:xfrm flipV="1">
-            <a:off x="7220507" y="3333004"/>
-            <a:ext cx="395231" cy="786"/>
+            <a:off x="3858371" y="4513983"/>
+            <a:ext cx="214748" cy="1"/>
+          </a:xfrm>
+          <a:prstGeom prst="bentConnector3">
+            <a:avLst>
+              <a:gd name="adj1" fmla="val 50000"/>
+            </a:avLst>
+          </a:prstGeom>
+          <a:ln w="19050">
+            <a:solidFill>
+              <a:schemeClr val="accent6">
+                <a:lumMod val="75000"/>
+              </a:schemeClr>
+            </a:solidFill>
+            <a:prstDash val="sysDot"/>
+            <a:headEnd type="none" w="med" len="med"/>
+            <a:tailEnd type="none" w="med" len="med"/>
+          </a:ln>
+          <a:effectLst/>
+        </p:spPr>
+        <p:style>
+          <a:lnRef idx="1">
+            <a:schemeClr val="accent2"/>
+          </a:lnRef>
+          <a:fillRef idx="2">
+            <a:schemeClr val="accent2"/>
+          </a:fillRef>
+          <a:effectRef idx="1">
+            <a:schemeClr val="accent2"/>
+          </a:effectRef>
+          <a:fontRef idx="minor">
+            <a:schemeClr val="dk1"/>
+          </a:fontRef>
+        </p:style>
+      </p:cxnSp>
+      <p:sp>
+        <p:nvSpPr>
+          <p:cNvPr id="85" name="Isosceles Triangle 102">
+            <a:extLst>
+              <a:ext uri="{FF2B5EF4-FFF2-40B4-BE49-F238E27FC236}">
+                <a16:creationId xmlns:a16="http://schemas.microsoft.com/office/drawing/2014/main" id="{2B150E56-977C-4DA2-9328-F9B0DDD8D7CD}"/>
+              </a:ext>
+            </a:extLst>
+          </p:cNvPr>
+          <p:cNvSpPr/>
+          <p:nvPr/>
+        </p:nvSpPr>
+        <p:spPr>
+          <a:xfrm rot="5400000" flipV="1">
+            <a:off x="3635357" y="4426222"/>
+            <a:ext cx="270504" cy="175523"/>
+          </a:xfrm>
+          <a:prstGeom prst="triangle">
+            <a:avLst/>
+          </a:prstGeom>
+          <a:solidFill>
+            <a:schemeClr val="accent6">
+              <a:lumMod val="75000"/>
+            </a:schemeClr>
+          </a:solidFill>
+          <a:ln w="19050">
+            <a:solidFill>
+              <a:schemeClr val="accent6">
+                <a:lumMod val="75000"/>
+              </a:schemeClr>
+            </a:solidFill>
+          </a:ln>
+          <a:effectLst/>
+        </p:spPr>
+        <p:style>
+          <a:lnRef idx="1">
+            <a:schemeClr val="accent2"/>
+          </a:lnRef>
+          <a:fillRef idx="2">
+            <a:schemeClr val="accent2"/>
+          </a:fillRef>
+          <a:effectRef idx="1">
+            <a:schemeClr val="accent2"/>
+          </a:effectRef>
+          <a:fontRef idx="minor">
+            <a:schemeClr val="dk1"/>
+          </a:fontRef>
+        </p:style>
+        <p:txBody>
+          <a:bodyPr rtlCol="0" anchor="ctr"/>
+          <a:lstStyle/>
+          <a:p>
+            <a:pPr algn="ctr"/>
+            <a:endParaRPr lang="en-SG" sz="1050">
+              <a:solidFill>
+                <a:schemeClr val="bg1"/>
+              </a:solidFill>
+            </a:endParaRPr>
+          </a:p>
+        </p:txBody>
+      </p:sp>
+      <p:cxnSp>
+        <p:nvCxnSpPr>
+          <p:cNvPr id="86" name="Elbow Connector 122">
+            <a:extLst>
+              <a:ext uri="{FF2B5EF4-FFF2-40B4-BE49-F238E27FC236}">
+                <a16:creationId xmlns:a16="http://schemas.microsoft.com/office/drawing/2014/main" id="{64B95057-3D32-4762-B696-4F1D8C3CEEFC}"/>
+              </a:ext>
+            </a:extLst>
+          </p:cNvPr>
+          <p:cNvCxnSpPr>
+            <a:cxnSpLocks/>
+            <a:stCxn id="87" idx="3"/>
+            <a:endCxn id="88" idx="1"/>
+          </p:cNvCxnSpPr>
+          <p:nvPr/>
+        </p:nvCxnSpPr>
+        <p:spPr>
+          <a:xfrm flipV="1">
+            <a:off x="5292319" y="4512475"/>
+            <a:ext cx="373178" cy="1508"/>
+          </a:xfrm>
+          <a:prstGeom prst="bentConnector3">
+            <a:avLst>
+              <a:gd name="adj1" fmla="val 50000"/>
+            </a:avLst>
+          </a:prstGeom>
+          <a:ln w="19050">
+            <a:solidFill>
+              <a:schemeClr val="accent6">
+                <a:lumMod val="75000"/>
+              </a:schemeClr>
+            </a:solidFill>
+            <a:prstDash val="sysDot"/>
+            <a:headEnd type="none" w="med" len="med"/>
+            <a:tailEnd type="arrow" w="med" len="med"/>
+          </a:ln>
+          <a:effectLst/>
+        </p:spPr>
+        <p:style>
+          <a:lnRef idx="1">
+            <a:schemeClr val="accent2"/>
+          </a:lnRef>
+          <a:fillRef idx="2">
+            <a:schemeClr val="accent2"/>
+          </a:fillRef>
+          <a:effectRef idx="1">
+            <a:schemeClr val="accent2"/>
+          </a:effectRef>
+          <a:fontRef idx="minor">
+            <a:schemeClr val="dk1"/>
+          </a:fontRef>
+        </p:style>
+      </p:cxnSp>
+      <p:sp>
+        <p:nvSpPr>
+          <p:cNvPr id="87" name="Rectangle 8">
+            <a:extLst>
+              <a:ext uri="{FF2B5EF4-FFF2-40B4-BE49-F238E27FC236}">
+                <a16:creationId xmlns:a16="http://schemas.microsoft.com/office/drawing/2014/main" id="{235A2345-7745-46C8-9A85-1D50BE163079}"/>
+              </a:ext>
+            </a:extLst>
+          </p:cNvPr>
+          <p:cNvSpPr/>
+          <p:nvPr/>
+        </p:nvSpPr>
+        <p:spPr>
+          <a:xfrm>
+            <a:off x="4073119" y="4340603"/>
+            <a:ext cx="1219200" cy="346760"/>
+          </a:xfrm>
+          <a:prstGeom prst="rect">
+            <a:avLst/>
+          </a:prstGeom>
+          <a:ln w="19050"/>
+          <a:effectLst/>
+        </p:spPr>
+        <p:style>
+          <a:lnRef idx="1">
+            <a:schemeClr val="accent6"/>
+          </a:lnRef>
+          <a:fillRef idx="2">
+            <a:schemeClr val="accent6"/>
+          </a:fillRef>
+          <a:effectRef idx="1">
+            <a:schemeClr val="accent6"/>
+          </a:effectRef>
+          <a:fontRef idx="minor">
+            <a:schemeClr val="dk1"/>
+          </a:fontRef>
+        </p:style>
+        <p:txBody>
+          <a:bodyPr rtlCol="0" anchor="ctr"/>
+          <a:lstStyle/>
+          <a:p>
+            <a:pPr algn="ctr"/>
+            <a:r>
+              <a:rPr lang="en-US" sz="1050" b="1" dirty="0">
+                <a:solidFill>
+                  <a:schemeClr val="accent6">
+                    <a:lumMod val="75000"/>
+                  </a:schemeClr>
+                </a:solidFill>
+              </a:rPr>
+              <a:t>XmlTrackedData</a:t>
+            </a:r>
+            <a:br>
+              <a:rPr lang="en-US" sz="1050" b="1" dirty="0">
+                <a:solidFill>
+                  <a:schemeClr val="accent6">
+                    <a:lumMod val="75000"/>
+                  </a:schemeClr>
+                </a:solidFill>
+              </a:rPr>
+            </a:br>
+            <a:r>
+              <a:rPr lang="en-US" sz="1050" b="1" dirty="0">
+                <a:solidFill>
+                  <a:schemeClr val="accent6">
+                    <a:lumMod val="75000"/>
+                  </a:schemeClr>
+                </a:solidFill>
+              </a:rPr>
+              <a:t>Storage</a:t>
+            </a:r>
+            <a:endParaRPr lang="en-SG" sz="1050" b="1" dirty="0">
+              <a:solidFill>
+                <a:schemeClr val="accent6">
+                  <a:lumMod val="75000"/>
+                </a:schemeClr>
+              </a:solidFill>
+            </a:endParaRPr>
+          </a:p>
+        </p:txBody>
+      </p:sp>
+      <p:sp>
+        <p:nvSpPr>
+          <p:cNvPr id="88" name="Rectangle 8">
+            <a:extLst>
+              <a:ext uri="{FF2B5EF4-FFF2-40B4-BE49-F238E27FC236}">
+                <a16:creationId xmlns:a16="http://schemas.microsoft.com/office/drawing/2014/main" id="{1415AD76-E67A-4522-9A12-F6C3BE1D779D}"/>
+              </a:ext>
+            </a:extLst>
+          </p:cNvPr>
+          <p:cNvSpPr/>
+          <p:nvPr/>
+        </p:nvSpPr>
+        <p:spPr>
+          <a:xfrm>
+            <a:off x="5665497" y="4339095"/>
+            <a:ext cx="1200707" cy="346760"/>
+          </a:xfrm>
+          <a:prstGeom prst="rect">
+            <a:avLst/>
+          </a:prstGeom>
+          <a:ln w="19050"/>
+          <a:effectLst/>
+        </p:spPr>
+        <p:style>
+          <a:lnRef idx="1">
+            <a:schemeClr val="accent6"/>
+          </a:lnRef>
+          <a:fillRef idx="2">
+            <a:schemeClr val="accent6"/>
+          </a:fillRef>
+          <a:effectRef idx="1">
+            <a:schemeClr val="accent6"/>
+          </a:effectRef>
+          <a:fontRef idx="minor">
+            <a:schemeClr val="dk1"/>
+          </a:fontRef>
+        </p:style>
+        <p:txBody>
+          <a:bodyPr rtlCol="0" anchor="ctr"/>
+          <a:lstStyle/>
+          <a:p>
+            <a:pPr algn="ctr"/>
+            <a:r>
+              <a:rPr lang="en-US" sz="1050" b="1" dirty="0">
+                <a:solidFill>
+                  <a:schemeClr val="accent6">
+                    <a:lumMod val="75000"/>
+                  </a:schemeClr>
+                </a:solidFill>
+              </a:rPr>
+              <a:t>XmlSerializable</a:t>
+            </a:r>
+            <a:br>
+              <a:rPr lang="en-US" sz="1050" b="1" dirty="0">
+                <a:solidFill>
+                  <a:schemeClr val="accent6">
+                    <a:lumMod val="75000"/>
+                  </a:schemeClr>
+                </a:solidFill>
+              </a:rPr>
+            </a:br>
+            <a:r>
+              <a:rPr lang="en-US" sz="1050" b="1" dirty="0">
+                <a:solidFill>
+                  <a:schemeClr val="accent6">
+                    <a:lumMod val="75000"/>
+                  </a:schemeClr>
+                </a:solidFill>
+              </a:rPr>
+              <a:t>TrackedData</a:t>
+            </a:r>
+            <a:endParaRPr lang="en-SG" sz="1050" b="1" dirty="0">
+              <a:solidFill>
+                <a:schemeClr val="accent6">
+                  <a:lumMod val="75000"/>
+                </a:schemeClr>
+              </a:solidFill>
+            </a:endParaRPr>
+          </a:p>
+        </p:txBody>
+      </p:sp>
+      <p:cxnSp>
+        <p:nvCxnSpPr>
+          <p:cNvPr id="89" name="Elbow Connector 122">
+            <a:extLst>
+              <a:ext uri="{FF2B5EF4-FFF2-40B4-BE49-F238E27FC236}">
+                <a16:creationId xmlns:a16="http://schemas.microsoft.com/office/drawing/2014/main" id="{424A8BB3-D323-4605-8D12-AA7F6EA2FF00}"/>
+              </a:ext>
+            </a:extLst>
+          </p:cNvPr>
+          <p:cNvCxnSpPr>
+            <a:cxnSpLocks/>
+            <a:stCxn id="91" idx="2"/>
+            <a:endCxn id="90" idx="0"/>
+          </p:cNvCxnSpPr>
+          <p:nvPr/>
+        </p:nvCxnSpPr>
+        <p:spPr>
+          <a:xfrm rot="5400000">
+            <a:off x="7702570" y="4839946"/>
+            <a:ext cx="307217" cy="253"/>
+          </a:xfrm>
+          <a:prstGeom prst="bentConnector3">
+            <a:avLst>
+              <a:gd name="adj1" fmla="val 50000"/>
+            </a:avLst>
+          </a:prstGeom>
+          <a:ln w="19050">
+            <a:prstDash val="sysDot"/>
+            <a:headEnd type="none" w="med" len="med"/>
+            <a:tailEnd type="arrow" w="med" len="med"/>
+          </a:ln>
+          <a:effectLst/>
+        </p:spPr>
+        <p:style>
+          <a:lnRef idx="1">
+            <a:schemeClr val="accent6"/>
+          </a:lnRef>
+          <a:fillRef idx="2">
+            <a:schemeClr val="accent6"/>
+          </a:fillRef>
+          <a:effectRef idx="1">
+            <a:schemeClr val="accent6"/>
+          </a:effectRef>
+          <a:fontRef idx="minor">
+            <a:schemeClr val="dk1"/>
+          </a:fontRef>
+        </p:style>
+      </p:cxnSp>
+      <p:sp>
+        <p:nvSpPr>
+          <p:cNvPr id="90" name="Rectangle 8">
+            <a:extLst>
+              <a:ext uri="{FF2B5EF4-FFF2-40B4-BE49-F238E27FC236}">
+                <a16:creationId xmlns:a16="http://schemas.microsoft.com/office/drawing/2014/main" id="{57FCD327-8BBF-4572-8AC4-DE23DE521C3F}"/>
+              </a:ext>
+            </a:extLst>
+          </p:cNvPr>
+          <p:cNvSpPr/>
+          <p:nvPr/>
+        </p:nvSpPr>
+        <p:spPr>
+          <a:xfrm>
+            <a:off x="7226192" y="4993681"/>
+            <a:ext cx="1259718" cy="346760"/>
+          </a:xfrm>
+          <a:prstGeom prst="rect">
+            <a:avLst/>
+          </a:prstGeom>
+          <a:ln w="19050"/>
+          <a:effectLst/>
+        </p:spPr>
+        <p:style>
+          <a:lnRef idx="1">
+            <a:schemeClr val="accent6"/>
+          </a:lnRef>
+          <a:fillRef idx="2">
+            <a:schemeClr val="accent6"/>
+          </a:fillRef>
+          <a:effectRef idx="1">
+            <a:schemeClr val="accent6"/>
+          </a:effectRef>
+          <a:fontRef idx="minor">
+            <a:schemeClr val="dk1"/>
+          </a:fontRef>
+        </p:style>
+        <p:txBody>
+          <a:bodyPr rtlCol="0" anchor="ctr"/>
+          <a:lstStyle/>
+          <a:p>
+            <a:pPr algn="ctr"/>
+            <a:r>
+              <a:rPr lang="en-US" sz="1050" b="1" dirty="0">
+                <a:solidFill>
+                  <a:schemeClr val="accent6">
+                    <a:lumMod val="75000"/>
+                  </a:schemeClr>
+                </a:solidFill>
+              </a:rPr>
+              <a:t>XmlAdaptedTag</a:t>
+            </a:r>
+            <a:endParaRPr lang="en-SG" sz="1050" b="1" dirty="0">
+              <a:solidFill>
+                <a:schemeClr val="accent6">
+                  <a:lumMod val="75000"/>
+                </a:schemeClr>
+              </a:solidFill>
+            </a:endParaRPr>
+          </a:p>
+        </p:txBody>
+      </p:sp>
+      <p:sp>
+        <p:nvSpPr>
+          <p:cNvPr id="91" name="Rectangle 8">
+            <a:extLst>
+              <a:ext uri="{FF2B5EF4-FFF2-40B4-BE49-F238E27FC236}">
+                <a16:creationId xmlns:a16="http://schemas.microsoft.com/office/drawing/2014/main" id="{AEDE5D15-3BE5-4F75-8852-144E342A7B24}"/>
+              </a:ext>
+            </a:extLst>
+          </p:cNvPr>
+          <p:cNvSpPr/>
+          <p:nvPr/>
+        </p:nvSpPr>
+        <p:spPr>
+          <a:xfrm>
+            <a:off x="7172381" y="4339704"/>
+            <a:ext cx="1367846" cy="346760"/>
+          </a:xfrm>
+          <a:prstGeom prst="rect">
+            <a:avLst/>
+          </a:prstGeom>
+          <a:ln w="19050"/>
+          <a:effectLst/>
+        </p:spPr>
+        <p:style>
+          <a:lnRef idx="1">
+            <a:schemeClr val="accent6"/>
+          </a:lnRef>
+          <a:fillRef idx="2">
+            <a:schemeClr val="accent6"/>
+          </a:fillRef>
+          <a:effectRef idx="1">
+            <a:schemeClr val="accent6"/>
+          </a:effectRef>
+          <a:fontRef idx="minor">
+            <a:schemeClr val="dk1"/>
+          </a:fontRef>
+        </p:style>
+        <p:txBody>
+          <a:bodyPr rtlCol="0" anchor="ctr"/>
+          <a:lstStyle/>
+          <a:p>
+            <a:pPr algn="ctr"/>
+            <a:r>
+              <a:rPr lang="en-US" sz="1050" b="1" dirty="0">
+                <a:solidFill>
+                  <a:schemeClr val="accent6">
+                    <a:lumMod val="75000"/>
+                  </a:schemeClr>
+                </a:solidFill>
+              </a:rPr>
+              <a:t>XmlAdaptedWorkout</a:t>
+            </a:r>
+            <a:endParaRPr lang="en-SG" sz="1050" b="1" dirty="0">
+              <a:solidFill>
+                <a:schemeClr val="accent6">
+                  <a:lumMod val="75000"/>
+                </a:schemeClr>
+              </a:solidFill>
+            </a:endParaRPr>
+          </a:p>
+        </p:txBody>
+      </p:sp>
+      <p:cxnSp>
+        <p:nvCxnSpPr>
+          <p:cNvPr id="92" name="Elbow Connector 122">
+            <a:extLst>
+              <a:ext uri="{FF2B5EF4-FFF2-40B4-BE49-F238E27FC236}">
+                <a16:creationId xmlns:a16="http://schemas.microsoft.com/office/drawing/2014/main" id="{515CA73A-4B81-4F44-8D99-892F9578109D}"/>
+              </a:ext>
+            </a:extLst>
+          </p:cNvPr>
+          <p:cNvCxnSpPr>
+            <a:cxnSpLocks/>
+            <a:stCxn id="88" idx="3"/>
+            <a:endCxn id="91" idx="1"/>
+          </p:cNvCxnSpPr>
+          <p:nvPr/>
+        </p:nvCxnSpPr>
+        <p:spPr>
+          <a:xfrm>
+            <a:off x="6866204" y="4512475"/>
+            <a:ext cx="306177" cy="609"/>
+          </a:xfrm>
+          <a:prstGeom prst="bentConnector3">
+            <a:avLst>
+              <a:gd name="adj1" fmla="val 50000"/>
+            </a:avLst>
+          </a:prstGeom>
+          <a:ln w="19050">
+            <a:prstDash val="sysDot"/>
+            <a:headEnd type="none" w="med" len="med"/>
+            <a:tailEnd type="arrow" w="med" len="med"/>
+          </a:ln>
+          <a:effectLst/>
+        </p:spPr>
+        <p:style>
+          <a:lnRef idx="1">
+            <a:schemeClr val="accent6"/>
+          </a:lnRef>
+          <a:fillRef idx="2">
+            <a:schemeClr val="accent6"/>
+          </a:fillRef>
+          <a:effectRef idx="1">
+            <a:schemeClr val="accent6"/>
+          </a:effectRef>
+          <a:fontRef idx="minor">
+            <a:schemeClr val="dk1"/>
+          </a:fontRef>
+        </p:style>
+      </p:cxnSp>
+      <p:cxnSp>
+        <p:nvCxnSpPr>
+          <p:cNvPr id="126" name="Elbow Connector 63">
+            <a:extLst>
+              <a:ext uri="{FF2B5EF4-FFF2-40B4-BE49-F238E27FC236}">
+                <a16:creationId xmlns:a16="http://schemas.microsoft.com/office/drawing/2014/main" id="{2F051C72-23D0-4A45-9082-39B1B302279E}"/>
+              </a:ext>
+            </a:extLst>
+          </p:cNvPr>
+          <p:cNvCxnSpPr>
+            <a:cxnSpLocks/>
+            <a:stCxn id="127" idx="3"/>
+            <a:endCxn id="129" idx="1"/>
+          </p:cNvCxnSpPr>
+          <p:nvPr/>
+        </p:nvCxnSpPr>
+        <p:spPr>
+          <a:xfrm flipV="1">
+            <a:off x="3856121" y="3933633"/>
+            <a:ext cx="214747" cy="1"/>
+          </a:xfrm>
+          <a:prstGeom prst="bentConnector3">
+            <a:avLst>
+              <a:gd name="adj1" fmla="val 50000"/>
+            </a:avLst>
+          </a:prstGeom>
+          <a:ln w="19050">
+            <a:solidFill>
+              <a:schemeClr val="accent6">
+                <a:lumMod val="75000"/>
+              </a:schemeClr>
+            </a:solidFill>
+            <a:prstDash val="sysDot"/>
+            <a:headEnd type="none" w="med" len="med"/>
+            <a:tailEnd type="none" w="med" len="med"/>
+          </a:ln>
+          <a:effectLst/>
+        </p:spPr>
+        <p:style>
+          <a:lnRef idx="1">
+            <a:schemeClr val="accent2"/>
+          </a:lnRef>
+          <a:fillRef idx="2">
+            <a:schemeClr val="accent2"/>
+          </a:fillRef>
+          <a:effectRef idx="1">
+            <a:schemeClr val="accent2"/>
+          </a:effectRef>
+          <a:fontRef idx="minor">
+            <a:schemeClr val="dk1"/>
+          </a:fontRef>
+        </p:style>
+      </p:cxnSp>
+      <p:sp>
+        <p:nvSpPr>
+          <p:cNvPr id="127" name="Isosceles Triangle 102">
+            <a:extLst>
+              <a:ext uri="{FF2B5EF4-FFF2-40B4-BE49-F238E27FC236}">
+                <a16:creationId xmlns:a16="http://schemas.microsoft.com/office/drawing/2014/main" id="{0D9A3D7A-0AC6-4F2F-AF88-C9C7DB441DD8}"/>
+              </a:ext>
+            </a:extLst>
+          </p:cNvPr>
+          <p:cNvSpPr/>
+          <p:nvPr/>
+        </p:nvSpPr>
+        <p:spPr>
+          <a:xfrm rot="5400000" flipV="1">
+            <a:off x="3633107" y="3845872"/>
+            <a:ext cx="270504" cy="175523"/>
+          </a:xfrm>
+          <a:prstGeom prst="triangle">
+            <a:avLst/>
+          </a:prstGeom>
+          <a:solidFill>
+            <a:schemeClr val="accent6">
+              <a:lumMod val="75000"/>
+            </a:schemeClr>
+          </a:solidFill>
+          <a:ln w="19050">
+            <a:solidFill>
+              <a:schemeClr val="accent6">
+                <a:lumMod val="75000"/>
+              </a:schemeClr>
+            </a:solidFill>
+          </a:ln>
+          <a:effectLst/>
+        </p:spPr>
+        <p:style>
+          <a:lnRef idx="1">
+            <a:schemeClr val="accent2"/>
+          </a:lnRef>
+          <a:fillRef idx="2">
+            <a:schemeClr val="accent2"/>
+          </a:fillRef>
+          <a:effectRef idx="1">
+            <a:schemeClr val="accent2"/>
+          </a:effectRef>
+          <a:fontRef idx="minor">
+            <a:schemeClr val="dk1"/>
+          </a:fontRef>
+        </p:style>
+        <p:txBody>
+          <a:bodyPr rtlCol="0" anchor="ctr"/>
+          <a:lstStyle/>
+          <a:p>
+            <a:pPr algn="ctr"/>
+            <a:endParaRPr lang="en-SG" sz="1050">
+              <a:solidFill>
+                <a:schemeClr val="bg1"/>
+              </a:solidFill>
+            </a:endParaRPr>
+          </a:p>
+        </p:txBody>
+      </p:sp>
+      <p:cxnSp>
+        <p:nvCxnSpPr>
+          <p:cNvPr id="128" name="Elbow Connector 122">
+            <a:extLst>
+              <a:ext uri="{FF2B5EF4-FFF2-40B4-BE49-F238E27FC236}">
+                <a16:creationId xmlns:a16="http://schemas.microsoft.com/office/drawing/2014/main" id="{6CC93751-7B7F-4EBC-BF87-2428099F2A6E}"/>
+              </a:ext>
+            </a:extLst>
+          </p:cNvPr>
+          <p:cNvCxnSpPr>
+            <a:cxnSpLocks/>
+            <a:stCxn id="129" idx="3"/>
+            <a:endCxn id="130" idx="1"/>
+          </p:cNvCxnSpPr>
+          <p:nvPr/>
+        </p:nvCxnSpPr>
+        <p:spPr>
+          <a:xfrm flipV="1">
+            <a:off x="5357069" y="3932125"/>
+            <a:ext cx="306178" cy="1508"/>
+          </a:xfrm>
+          <a:prstGeom prst="bentConnector3">
+            <a:avLst>
+              <a:gd name="adj1" fmla="val 50000"/>
+            </a:avLst>
+          </a:prstGeom>
+          <a:ln w="19050">
+            <a:solidFill>
+              <a:schemeClr val="accent6">
+                <a:lumMod val="75000"/>
+              </a:schemeClr>
+            </a:solidFill>
+            <a:prstDash val="sysDot"/>
+            <a:headEnd type="none" w="med" len="med"/>
+            <a:tailEnd type="arrow" w="med" len="med"/>
+          </a:ln>
+          <a:effectLst/>
+        </p:spPr>
+        <p:style>
+          <a:lnRef idx="1">
+            <a:schemeClr val="accent2"/>
+          </a:lnRef>
+          <a:fillRef idx="2">
+            <a:schemeClr val="accent2"/>
+          </a:fillRef>
+          <a:effectRef idx="1">
+            <a:schemeClr val="accent2"/>
+          </a:effectRef>
+          <a:fontRef idx="minor">
+            <a:schemeClr val="dk1"/>
+          </a:fontRef>
+        </p:style>
+      </p:cxnSp>
+      <p:sp>
+        <p:nvSpPr>
+          <p:cNvPr id="129" name="Rectangle 8">
+            <a:extLst>
+              <a:ext uri="{FF2B5EF4-FFF2-40B4-BE49-F238E27FC236}">
+                <a16:creationId xmlns:a16="http://schemas.microsoft.com/office/drawing/2014/main" id="{3DFB2496-E4D8-4B9D-8CCE-CBE2BAB36A0B}"/>
+              </a:ext>
+            </a:extLst>
+          </p:cNvPr>
+          <p:cNvSpPr/>
+          <p:nvPr/>
+        </p:nvSpPr>
+        <p:spPr>
+          <a:xfrm>
+            <a:off x="4070868" y="3760253"/>
+            <a:ext cx="1286201" cy="346760"/>
+          </a:xfrm>
+          <a:prstGeom prst="rect">
+            <a:avLst/>
+          </a:prstGeom>
+          <a:ln w="19050"/>
+          <a:effectLst/>
+        </p:spPr>
+        <p:style>
+          <a:lnRef idx="1">
+            <a:schemeClr val="accent6"/>
+          </a:lnRef>
+          <a:fillRef idx="2">
+            <a:schemeClr val="accent6"/>
+          </a:fillRef>
+          <a:effectRef idx="1">
+            <a:schemeClr val="accent6"/>
+          </a:effectRef>
+          <a:fontRef idx="minor">
+            <a:schemeClr val="dk1"/>
+          </a:fontRef>
+        </p:style>
+        <p:txBody>
+          <a:bodyPr rtlCol="0" anchor="ctr"/>
+          <a:lstStyle/>
+          <a:p>
+            <a:pPr algn="ctr"/>
+            <a:r>
+              <a:rPr lang="en-US" sz="1050" b="1" dirty="0">
+                <a:solidFill>
+                  <a:schemeClr val="accent6">
+                    <a:lumMod val="75000"/>
+                  </a:schemeClr>
+                </a:solidFill>
+              </a:rPr>
+              <a:t>XmlTrackedDataList</a:t>
+            </a:r>
+            <a:br>
+              <a:rPr lang="en-US" sz="1050" b="1" dirty="0">
+                <a:solidFill>
+                  <a:schemeClr val="accent6">
+                    <a:lumMod val="75000"/>
+                  </a:schemeClr>
+                </a:solidFill>
+              </a:rPr>
+            </a:br>
+            <a:r>
+              <a:rPr lang="en-US" sz="1050" b="1" dirty="0">
+                <a:solidFill>
+                  <a:schemeClr val="accent6">
+                    <a:lumMod val="75000"/>
+                  </a:schemeClr>
+                </a:solidFill>
+              </a:rPr>
+              <a:t>Storage</a:t>
+            </a:r>
+            <a:endParaRPr lang="en-SG" sz="1050" b="1" dirty="0">
+              <a:solidFill>
+                <a:schemeClr val="accent6">
+                  <a:lumMod val="75000"/>
+                </a:schemeClr>
+              </a:solidFill>
+            </a:endParaRPr>
+          </a:p>
+        </p:txBody>
+      </p:sp>
+      <p:sp>
+        <p:nvSpPr>
+          <p:cNvPr id="130" name="Rectangle 8">
+            <a:extLst>
+              <a:ext uri="{FF2B5EF4-FFF2-40B4-BE49-F238E27FC236}">
+                <a16:creationId xmlns:a16="http://schemas.microsoft.com/office/drawing/2014/main" id="{5A0C4488-C939-4F99-82BE-9A2BE5C966A0}"/>
+              </a:ext>
+            </a:extLst>
+          </p:cNvPr>
+          <p:cNvSpPr/>
+          <p:nvPr/>
+        </p:nvSpPr>
+        <p:spPr>
+          <a:xfrm>
+            <a:off x="5663247" y="3758745"/>
+            <a:ext cx="1200707" cy="346760"/>
+          </a:xfrm>
+          <a:prstGeom prst="rect">
+            <a:avLst/>
+          </a:prstGeom>
+          <a:ln w="19050"/>
+          <a:effectLst/>
+        </p:spPr>
+        <p:style>
+          <a:lnRef idx="1">
+            <a:schemeClr val="accent6"/>
+          </a:lnRef>
+          <a:fillRef idx="2">
+            <a:schemeClr val="accent6"/>
+          </a:fillRef>
+          <a:effectRef idx="1">
+            <a:schemeClr val="accent6"/>
+          </a:effectRef>
+          <a:fontRef idx="minor">
+            <a:schemeClr val="dk1"/>
+          </a:fontRef>
+        </p:style>
+        <p:txBody>
+          <a:bodyPr rtlCol="0" anchor="ctr"/>
+          <a:lstStyle/>
+          <a:p>
+            <a:pPr algn="ctr"/>
+            <a:r>
+              <a:rPr lang="en-US" sz="1050" b="1" dirty="0">
+                <a:solidFill>
+                  <a:schemeClr val="accent6">
+                    <a:lumMod val="75000"/>
+                  </a:schemeClr>
+                </a:solidFill>
+              </a:rPr>
+              <a:t>XmlSerializable</a:t>
+            </a:r>
+            <a:br>
+              <a:rPr lang="en-US" sz="1050" b="1" dirty="0">
+                <a:solidFill>
+                  <a:schemeClr val="accent6">
+                    <a:lumMod val="75000"/>
+                  </a:schemeClr>
+                </a:solidFill>
+              </a:rPr>
+            </a:br>
+            <a:r>
+              <a:rPr lang="en-US" sz="1050" b="1" dirty="0">
+                <a:solidFill>
+                  <a:schemeClr val="accent6">
+                    <a:lumMod val="75000"/>
+                  </a:schemeClr>
+                </a:solidFill>
+              </a:rPr>
+              <a:t>TrackedDataList</a:t>
+            </a:r>
+            <a:endParaRPr lang="en-SG" sz="1050" b="1" dirty="0">
+              <a:solidFill>
+                <a:schemeClr val="accent6">
+                  <a:lumMod val="75000"/>
+                </a:schemeClr>
+              </a:solidFill>
+            </a:endParaRPr>
+          </a:p>
+        </p:txBody>
+      </p:sp>
+      <p:sp>
+        <p:nvSpPr>
+          <p:cNvPr id="131" name="Rectangle 8">
+            <a:extLst>
+              <a:ext uri="{FF2B5EF4-FFF2-40B4-BE49-F238E27FC236}">
+                <a16:creationId xmlns:a16="http://schemas.microsoft.com/office/drawing/2014/main" id="{18DA995A-6D3C-4EAD-A81F-9FD91DA9116A}"/>
+              </a:ext>
+            </a:extLst>
+          </p:cNvPr>
+          <p:cNvSpPr/>
+          <p:nvPr/>
+        </p:nvSpPr>
+        <p:spPr>
+          <a:xfrm>
+            <a:off x="7170130" y="3759354"/>
+            <a:ext cx="1516669" cy="346760"/>
+          </a:xfrm>
+          <a:prstGeom prst="rect">
+            <a:avLst/>
+          </a:prstGeom>
+          <a:ln w="19050"/>
+          <a:effectLst/>
+        </p:spPr>
+        <p:style>
+          <a:lnRef idx="1">
+            <a:schemeClr val="accent6"/>
+          </a:lnRef>
+          <a:fillRef idx="2">
+            <a:schemeClr val="accent6"/>
+          </a:fillRef>
+          <a:effectRef idx="1">
+            <a:schemeClr val="accent6"/>
+          </a:effectRef>
+          <a:fontRef idx="minor">
+            <a:schemeClr val="dk1"/>
+          </a:fontRef>
+        </p:style>
+        <p:txBody>
+          <a:bodyPr rtlCol="0" anchor="ctr"/>
+          <a:lstStyle/>
+          <a:p>
+            <a:pPr algn="ctr"/>
+            <a:r>
+              <a:rPr lang="en-US" sz="1050" b="1" dirty="0">
+                <a:solidFill>
+                  <a:schemeClr val="accent6">
+                    <a:lumMod val="75000"/>
+                  </a:schemeClr>
+                </a:solidFill>
+              </a:rPr>
+              <a:t>XmlAdaptedParameter</a:t>
+            </a:r>
+            <a:endParaRPr lang="en-SG" sz="1050" b="1" dirty="0">
+              <a:solidFill>
+                <a:schemeClr val="accent6">
+                  <a:lumMod val="75000"/>
+                </a:schemeClr>
+              </a:solidFill>
+            </a:endParaRPr>
+          </a:p>
+        </p:txBody>
+      </p:sp>
+      <p:cxnSp>
+        <p:nvCxnSpPr>
+          <p:cNvPr id="132" name="Elbow Connector 122">
+            <a:extLst>
+              <a:ext uri="{FF2B5EF4-FFF2-40B4-BE49-F238E27FC236}">
+                <a16:creationId xmlns:a16="http://schemas.microsoft.com/office/drawing/2014/main" id="{7D186D54-D4B4-4045-B6E0-D721A877CD20}"/>
+              </a:ext>
+            </a:extLst>
+          </p:cNvPr>
+          <p:cNvCxnSpPr>
+            <a:cxnSpLocks/>
+            <a:stCxn id="130" idx="3"/>
+            <a:endCxn id="131" idx="1"/>
+          </p:cNvCxnSpPr>
+          <p:nvPr/>
+        </p:nvCxnSpPr>
+        <p:spPr>
+          <a:xfrm>
+            <a:off x="6863954" y="3932125"/>
+            <a:ext cx="306176" cy="609"/>
           </a:xfrm>
           <a:prstGeom prst="bentConnector3">
             <a:avLst>
@@ -4843,13 +6273,6 @@
   <p:clrMapOvr>
     <a:masterClrMapping/>
   </p:clrMapOvr>
-  <p:timing>
-    <p:tnLst>
-      <p:par>
-        <p:cTn id="1" dur="indefinite" restart="never" nodeType="tmRoot"/>
-      </p:par>
-    </p:tnLst>
-  </p:timing>
 </p:sld>
 </file>
 
